--- a/ppts/05-1.2_BinaryTreeTraversal Quiz.pptx
+++ b/ppts/05-1.2_BinaryTreeTraversal Quiz.pptx
@@ -5,13 +5,11 @@
     <p:sldMasterId id="2147483696" r:id="rId1"/>
   </p:sldMasterIdLst>
   <p:notesMasterIdLst>
-    <p:notesMasterId r:id="rId6"/>
+    <p:notesMasterId r:id="rId4"/>
   </p:notesMasterIdLst>
   <p:sldIdLst>
     <p:sldId id="966" r:id="rId2"/>
     <p:sldId id="935" r:id="rId3"/>
-    <p:sldId id="967" r:id="rId4"/>
-    <p:sldId id="968" r:id="rId5"/>
   </p:sldIdLst>
   <p:sldSz cx="12192000" cy="6858000"/>
   <p:notesSz cx="6858000" cy="9144000"/>
@@ -214,7 +212,7 @@
           <a:p>
             <a:fld id="{648057B7-EFC7-4AC6-B479-CDD44EB7D654}" type="datetimeFigureOut">
               <a:rPr lang="ko-KR" altLang="en-US" smtClean="0"/>
-              <a:t>2023-04-30</a:t>
+              <a:t>2023-10-30</a:t>
             </a:fld>
             <a:endParaRPr lang="ko-KR" altLang="en-US"/>
           </a:p>
@@ -640,90 +638,6 @@
     <p:extLst>
       <p:ext uri="{BB962C8B-B14F-4D97-AF65-F5344CB8AC3E}">
         <p14:creationId xmlns:p14="http://schemas.microsoft.com/office/powerpoint/2010/main" val="2222920372"/>
-      </p:ext>
-    </p:extLst>
-  </p:cSld>
-  <p:clrMapOvr>
-    <a:masterClrMapping/>
-  </p:clrMapOvr>
-</p:notes>
-</file>
-
-<file path=ppt/notesSlides/notesSlide3.xml><?xml version="1.0" encoding="utf-8"?>
-<p:notes xmlns:a="http://schemas.openxmlformats.org/drawingml/2006/main" xmlns:r="http://schemas.openxmlformats.org/officeDocument/2006/relationships" xmlns:p="http://schemas.openxmlformats.org/presentationml/2006/main">
-  <p:cSld>
-    <p:spTree>
-      <p:nvGrpSpPr>
-        <p:cNvPr id="1" name=""/>
-        <p:cNvGrpSpPr/>
-        <p:nvPr/>
-      </p:nvGrpSpPr>
-      <p:grpSpPr>
-        <a:xfrm>
-          <a:off x="0" y="0"/>
-          <a:ext cx="0" cy="0"/>
-          <a:chOff x="0" y="0"/>
-          <a:chExt cx="0" cy="0"/>
-        </a:xfrm>
-      </p:grpSpPr>
-      <p:sp>
-        <p:nvSpPr>
-          <p:cNvPr id="2" name="슬라이드 이미지 개체 틀 1"/>
-          <p:cNvSpPr>
-            <a:spLocks noGrp="1" noRot="1" noChangeAspect="1"/>
-          </p:cNvSpPr>
-          <p:nvPr>
-            <p:ph type="sldImg"/>
-          </p:nvPr>
-        </p:nvSpPr>
-        <p:spPr/>
-      </p:sp>
-      <p:sp>
-        <p:nvSpPr>
-          <p:cNvPr id="3" name="슬라이드 노트 개체 틀 2"/>
-          <p:cNvSpPr>
-            <a:spLocks noGrp="1"/>
-          </p:cNvSpPr>
-          <p:nvPr>
-            <p:ph type="body" idx="1"/>
-          </p:nvPr>
-        </p:nvSpPr>
-        <p:spPr/>
-        <p:txBody>
-          <a:bodyPr/>
-          <a:lstStyle/>
-          <a:p>
-            <a:endParaRPr lang="ko-KR" altLang="en-US" dirty="0"/>
-          </a:p>
-        </p:txBody>
-      </p:sp>
-      <p:sp>
-        <p:nvSpPr>
-          <p:cNvPr id="4" name="슬라이드 번호 개체 틀 3"/>
-          <p:cNvSpPr>
-            <a:spLocks noGrp="1"/>
-          </p:cNvSpPr>
-          <p:nvPr>
-            <p:ph type="sldNum" sz="quarter" idx="10"/>
-          </p:nvPr>
-        </p:nvSpPr>
-        <p:spPr/>
-        <p:txBody>
-          <a:bodyPr/>
-          <a:lstStyle/>
-          <a:p>
-            <a:fld id="{21EDD92F-6552-427E-B1F2-FAEB3F7EF1CB}" type="slidenum">
-              <a:rPr lang="ko-KR" altLang="en-US" smtClean="0"/>
-              <a:t>3</a:t>
-            </a:fld>
-            <a:endParaRPr lang="ko-KR" altLang="en-US"/>
-          </a:p>
-        </p:txBody>
-      </p:sp>
-    </p:spTree>
-    <p:extLst>
-      <p:ext uri="{BB962C8B-B14F-4D97-AF65-F5344CB8AC3E}">
-        <p14:creationId xmlns:p14="http://schemas.microsoft.com/office/powerpoint/2010/main" val="2009489183"/>
       </p:ext>
     </p:extLst>
   </p:cSld>
@@ -7034,3026 +6948,6 @@
 </p:sld>
 </file>
 
-<file path=ppt/slides/slide3.xml><?xml version="1.0" encoding="utf-8"?>
-<p:sld xmlns:a="http://schemas.openxmlformats.org/drawingml/2006/main" xmlns:r="http://schemas.openxmlformats.org/officeDocument/2006/relationships" xmlns:p="http://schemas.openxmlformats.org/presentationml/2006/main">
-  <p:cSld>
-    <p:spTree>
-      <p:nvGrpSpPr>
-        <p:cNvPr id="1" name=""/>
-        <p:cNvGrpSpPr/>
-        <p:nvPr/>
-      </p:nvGrpSpPr>
-      <p:grpSpPr>
-        <a:xfrm>
-          <a:off x="0" y="0"/>
-          <a:ext cx="0" cy="0"/>
-          <a:chOff x="0" y="0"/>
-          <a:chExt cx="0" cy="0"/>
-        </a:xfrm>
-      </p:grpSpPr>
-      <p:sp>
-        <p:nvSpPr>
-          <p:cNvPr id="2" name="내용 개체 틀 1"/>
-          <p:cNvSpPr>
-            <a:spLocks noGrp="1"/>
-          </p:cNvSpPr>
-          <p:nvPr>
-            <p:ph idx="10"/>
-          </p:nvPr>
-        </p:nvSpPr>
-        <p:spPr/>
-        <p:txBody>
-          <a:bodyPr>
-            <a:normAutofit/>
-          </a:bodyPr>
-          <a:lstStyle/>
-          <a:p>
-            <a:r>
-              <a:rPr lang="en-US" altLang="ko-KR" b="1"/>
-              <a:t>Exercise </a:t>
-            </a:r>
-            <a:r>
-              <a:rPr lang="en-US" altLang="ko-KR" b="1" smtClean="0"/>
-              <a:t>3: </a:t>
-            </a:r>
-            <a:endParaRPr lang="en-US" altLang="ko-KR" b="1" dirty="0"/>
-          </a:p>
-          <a:p>
-            <a:pPr lvl="1"/>
-            <a:r>
-              <a:rPr lang="en-US" altLang="ko-KR" dirty="0" smtClean="0"/>
-              <a:t>preorder(</a:t>
-            </a:r>
-            <a:r>
-              <a:rPr lang="en-US" altLang="ko-KR" dirty="0" smtClean="0">
-                <a:solidFill>
-                  <a:srgbClr val="C00000"/>
-                </a:solidFill>
-              </a:rPr>
-              <a:t>V</a:t>
-            </a:r>
-            <a:r>
-              <a:rPr lang="en-US" altLang="ko-KR" dirty="0" smtClean="0"/>
-              <a:t>LR </a:t>
-            </a:r>
-            <a:r>
-              <a:rPr lang="en-US" altLang="ko-KR" dirty="0"/>
-              <a:t>)</a:t>
-            </a:r>
-          </a:p>
-          <a:p>
-            <a:pPr lvl="1"/>
-            <a:r>
-              <a:rPr lang="en-US" altLang="ko-KR" dirty="0" err="1" smtClean="0"/>
-              <a:t>inorder</a:t>
-            </a:r>
-            <a:r>
-              <a:rPr lang="en-US" altLang="ko-KR" dirty="0" smtClean="0"/>
-              <a:t>(L</a:t>
-            </a:r>
-            <a:r>
-              <a:rPr lang="en-US" altLang="ko-KR" dirty="0" smtClean="0">
-                <a:solidFill>
-                  <a:srgbClr val="C00000"/>
-                </a:solidFill>
-              </a:rPr>
-              <a:t>V</a:t>
-            </a:r>
-            <a:r>
-              <a:rPr lang="en-US" altLang="ko-KR" dirty="0" smtClean="0"/>
-              <a:t>R </a:t>
-            </a:r>
-            <a:r>
-              <a:rPr lang="en-US" altLang="ko-KR" dirty="0"/>
-              <a:t>)   </a:t>
-            </a:r>
-          </a:p>
-          <a:p>
-            <a:pPr lvl="1"/>
-            <a:r>
-              <a:rPr lang="en-US" altLang="ko-KR" dirty="0" err="1" smtClean="0"/>
-              <a:t>postorder</a:t>
-            </a:r>
-            <a:r>
-              <a:rPr lang="en-US" altLang="ko-KR" dirty="0" smtClean="0"/>
-              <a:t>(LR</a:t>
-            </a:r>
-            <a:r>
-              <a:rPr lang="en-US" altLang="ko-KR" dirty="0" smtClean="0">
-                <a:solidFill>
-                  <a:srgbClr val="C00000"/>
-                </a:solidFill>
-              </a:rPr>
-              <a:t>V</a:t>
-            </a:r>
-            <a:r>
-              <a:rPr lang="en-US" altLang="ko-KR" dirty="0"/>
-              <a:t>)</a:t>
-            </a:r>
-          </a:p>
-          <a:p>
-            <a:pPr lvl="1"/>
-            <a:endParaRPr lang="en-US" altLang="ko-KR" sz="2400" dirty="0"/>
-          </a:p>
-          <a:p>
-            <a:endParaRPr lang="en-US" altLang="ko-KR" b="1" dirty="0"/>
-          </a:p>
-          <a:p>
-            <a:endParaRPr lang="en-US" altLang="ko-KR" b="1" dirty="0"/>
-          </a:p>
-          <a:p>
-            <a:pPr marL="0" indent="0">
-              <a:buNone/>
-            </a:pPr>
-            <a:endParaRPr lang="en-US" altLang="ko-KR" b="1" dirty="0"/>
-          </a:p>
-        </p:txBody>
-      </p:sp>
-      <p:sp>
-        <p:nvSpPr>
-          <p:cNvPr id="3" name="제목 2"/>
-          <p:cNvSpPr>
-            <a:spLocks noGrp="1"/>
-          </p:cNvSpPr>
-          <p:nvPr>
-            <p:ph type="title"/>
-          </p:nvPr>
-        </p:nvSpPr>
-        <p:spPr/>
-        <p:txBody>
-          <a:bodyPr/>
-          <a:lstStyle/>
-          <a:p>
-            <a:r>
-              <a:rPr lang="en-US" altLang="ko-KR" dirty="0"/>
-              <a:t>Binary tree traversals </a:t>
-            </a:r>
-            <a:endParaRPr lang="ko-KR" altLang="en-US" sz="1200" dirty="0"/>
-          </a:p>
-        </p:txBody>
-      </p:sp>
-      <p:sp>
-        <p:nvSpPr>
-          <p:cNvPr id="4" name="슬라이드 번호 개체 틀 3"/>
-          <p:cNvSpPr>
-            <a:spLocks noGrp="1"/>
-          </p:cNvSpPr>
-          <p:nvPr>
-            <p:ph type="sldNum" sz="quarter" idx="4"/>
-          </p:nvPr>
-        </p:nvSpPr>
-        <p:spPr/>
-        <p:txBody>
-          <a:bodyPr/>
-          <a:lstStyle/>
-          <a:p>
-            <a:fld id="{9085FD98-BA4B-4537-9251-5519BF532862}" type="slidenum">
-              <a:rPr lang="ko-KR" altLang="en-US" smtClean="0"/>
-              <a:pPr/>
-              <a:t>3</a:t>
-            </a:fld>
-            <a:endParaRPr lang="ko-KR" altLang="en-US" dirty="0"/>
-          </a:p>
-        </p:txBody>
-      </p:sp>
-      <p:grpSp>
-        <p:nvGrpSpPr>
-          <p:cNvPr id="5" name="그룹 4"/>
-          <p:cNvGrpSpPr/>
-          <p:nvPr/>
-        </p:nvGrpSpPr>
-        <p:grpSpPr>
-          <a:xfrm>
-            <a:off x="1991544" y="3067589"/>
-            <a:ext cx="3084079" cy="2374950"/>
-            <a:chOff x="4522462" y="2879354"/>
-            <a:chExt cx="3084079" cy="2374950"/>
-          </a:xfrm>
-        </p:grpSpPr>
-        <p:sp>
-          <p:nvSpPr>
-            <p:cNvPr id="29" name="타원 28"/>
-            <p:cNvSpPr/>
-            <p:nvPr/>
-          </p:nvSpPr>
-          <p:spPr>
-            <a:xfrm>
-              <a:off x="5508687" y="3527426"/>
-              <a:ext cx="432048" cy="430734"/>
-            </a:xfrm>
-            <a:prstGeom prst="ellipse">
-              <a:avLst/>
-            </a:prstGeom>
-            <a:ln>
-              <a:solidFill>
-                <a:schemeClr val="tx1"/>
-              </a:solidFill>
-            </a:ln>
-          </p:spPr>
-          <p:style>
-            <a:lnRef idx="2">
-              <a:schemeClr val="accent4"/>
-            </a:lnRef>
-            <a:fillRef idx="1">
-              <a:schemeClr val="lt1"/>
-            </a:fillRef>
-            <a:effectRef idx="0">
-              <a:schemeClr val="accent4"/>
-            </a:effectRef>
-            <a:fontRef idx="minor">
-              <a:schemeClr val="dk1"/>
-            </a:fontRef>
-          </p:style>
-          <p:txBody>
-            <a:bodyPr rtlCol="0" anchor="ctr"/>
-            <a:lstStyle/>
-            <a:p>
-              <a:pPr algn="ctr"/>
-              <a:r>
-                <a:rPr lang="en-US" altLang="ko-KR" smtClean="0">
-                  <a:latin typeface="Century Gothic" panose="020B0502020202020204" pitchFamily="34" charset="0"/>
-                </a:rPr>
-                <a:t>B</a:t>
-              </a:r>
-              <a:endParaRPr lang="ko-KR" altLang="en-US" dirty="0">
-                <a:latin typeface="Century Gothic" panose="020B0502020202020204" pitchFamily="34" charset="0"/>
-              </a:endParaRPr>
-            </a:p>
-          </p:txBody>
-        </p:sp>
-        <p:sp>
-          <p:nvSpPr>
-            <p:cNvPr id="31" name="타원 30"/>
-            <p:cNvSpPr/>
-            <p:nvPr/>
-          </p:nvSpPr>
-          <p:spPr>
-            <a:xfrm>
-              <a:off x="7174493" y="3574291"/>
-              <a:ext cx="432048" cy="430734"/>
-            </a:xfrm>
-            <a:prstGeom prst="ellipse">
-              <a:avLst/>
-            </a:prstGeom>
-            <a:ln>
-              <a:solidFill>
-                <a:schemeClr val="tx1"/>
-              </a:solidFill>
-            </a:ln>
-          </p:spPr>
-          <p:style>
-            <a:lnRef idx="2">
-              <a:schemeClr val="accent4"/>
-            </a:lnRef>
-            <a:fillRef idx="1">
-              <a:schemeClr val="lt1"/>
-            </a:fillRef>
-            <a:effectRef idx="0">
-              <a:schemeClr val="accent4"/>
-            </a:effectRef>
-            <a:fontRef idx="minor">
-              <a:schemeClr val="dk1"/>
-            </a:fontRef>
-          </p:style>
-          <p:txBody>
-            <a:bodyPr rtlCol="0" anchor="ctr"/>
-            <a:lstStyle/>
-            <a:p>
-              <a:pPr algn="ctr"/>
-              <a:r>
-                <a:rPr lang="en-US" altLang="ko-KR" smtClean="0">
-                  <a:latin typeface="Century Gothic" panose="020B0502020202020204" pitchFamily="34" charset="0"/>
-                </a:rPr>
-                <a:t>E</a:t>
-              </a:r>
-              <a:endParaRPr lang="ko-KR" altLang="en-US" dirty="0">
-                <a:latin typeface="Century Gothic" panose="020B0502020202020204" pitchFamily="34" charset="0"/>
-              </a:endParaRPr>
-            </a:p>
-          </p:txBody>
-        </p:sp>
-        <p:sp>
-          <p:nvSpPr>
-            <p:cNvPr id="32" name="타원 31"/>
-            <p:cNvSpPr/>
-            <p:nvPr/>
-          </p:nvSpPr>
-          <p:spPr>
-            <a:xfrm>
-              <a:off x="6364163" y="2879354"/>
-              <a:ext cx="432048" cy="430734"/>
-            </a:xfrm>
-            <a:prstGeom prst="ellipse">
-              <a:avLst/>
-            </a:prstGeom>
-            <a:ln>
-              <a:solidFill>
-                <a:schemeClr val="tx1"/>
-              </a:solidFill>
-            </a:ln>
-          </p:spPr>
-          <p:style>
-            <a:lnRef idx="2">
-              <a:schemeClr val="accent4"/>
-            </a:lnRef>
-            <a:fillRef idx="1">
-              <a:schemeClr val="lt1"/>
-            </a:fillRef>
-            <a:effectRef idx="0">
-              <a:schemeClr val="accent4"/>
-            </a:effectRef>
-            <a:fontRef idx="minor">
-              <a:schemeClr val="dk1"/>
-            </a:fontRef>
-          </p:style>
-          <p:txBody>
-            <a:bodyPr rtlCol="0" anchor="ctr"/>
-            <a:lstStyle/>
-            <a:p>
-              <a:pPr algn="ctr"/>
-              <a:r>
-                <a:rPr lang="en-US" altLang="ko-KR" smtClean="0">
-                  <a:latin typeface="Century Gothic" panose="020B0502020202020204" pitchFamily="34" charset="0"/>
-                </a:rPr>
-                <a:t>A</a:t>
-              </a:r>
-              <a:endParaRPr lang="ko-KR" altLang="en-US" dirty="0">
-                <a:latin typeface="Century Gothic" panose="020B0502020202020204" pitchFamily="34" charset="0"/>
-              </a:endParaRPr>
-            </a:p>
-          </p:txBody>
-        </p:sp>
-        <p:sp>
-          <p:nvSpPr>
-            <p:cNvPr id="33" name="타원 32"/>
-            <p:cNvSpPr/>
-            <p:nvPr/>
-          </p:nvSpPr>
-          <p:spPr>
-            <a:xfrm>
-              <a:off x="5962823" y="4175498"/>
-              <a:ext cx="432048" cy="430734"/>
-            </a:xfrm>
-            <a:prstGeom prst="ellipse">
-              <a:avLst/>
-            </a:prstGeom>
-            <a:ln>
-              <a:solidFill>
-                <a:schemeClr val="tx1"/>
-              </a:solidFill>
-            </a:ln>
-          </p:spPr>
-          <p:style>
-            <a:lnRef idx="2">
-              <a:schemeClr val="accent4"/>
-            </a:lnRef>
-            <a:fillRef idx="1">
-              <a:schemeClr val="lt1"/>
-            </a:fillRef>
-            <a:effectRef idx="0">
-              <a:schemeClr val="accent4"/>
-            </a:effectRef>
-            <a:fontRef idx="minor">
-              <a:schemeClr val="dk1"/>
-            </a:fontRef>
-          </p:style>
-          <p:txBody>
-            <a:bodyPr rtlCol="0" anchor="ctr"/>
-            <a:lstStyle/>
-            <a:p>
-              <a:pPr algn="ctr"/>
-              <a:r>
-                <a:rPr lang="en-US" altLang="ko-KR" smtClean="0">
-                  <a:latin typeface="Century Gothic" panose="020B0502020202020204" pitchFamily="34" charset="0"/>
-                </a:rPr>
-                <a:t>D</a:t>
-              </a:r>
-              <a:endParaRPr lang="ko-KR" altLang="en-US" dirty="0">
-                <a:latin typeface="Century Gothic" panose="020B0502020202020204" pitchFamily="34" charset="0"/>
-              </a:endParaRPr>
-            </a:p>
-          </p:txBody>
-        </p:sp>
-        <p:sp>
-          <p:nvSpPr>
-            <p:cNvPr id="44" name="타원 43"/>
-            <p:cNvSpPr/>
-            <p:nvPr/>
-          </p:nvSpPr>
-          <p:spPr>
-            <a:xfrm>
-              <a:off x="6617321" y="4160377"/>
-              <a:ext cx="432048" cy="430734"/>
-            </a:xfrm>
-            <a:prstGeom prst="ellipse">
-              <a:avLst/>
-            </a:prstGeom>
-            <a:ln>
-              <a:solidFill>
-                <a:schemeClr val="tx1"/>
-              </a:solidFill>
-            </a:ln>
-          </p:spPr>
-          <p:style>
-            <a:lnRef idx="2">
-              <a:schemeClr val="accent4"/>
-            </a:lnRef>
-            <a:fillRef idx="1">
-              <a:schemeClr val="lt1"/>
-            </a:fillRef>
-            <a:effectRef idx="0">
-              <a:schemeClr val="accent4"/>
-            </a:effectRef>
-            <a:fontRef idx="minor">
-              <a:schemeClr val="dk1"/>
-            </a:fontRef>
-          </p:style>
-          <p:txBody>
-            <a:bodyPr rtlCol="0" anchor="ctr"/>
-            <a:lstStyle/>
-            <a:p>
-              <a:pPr algn="ctr"/>
-              <a:r>
-                <a:rPr lang="en-US" altLang="ko-KR" smtClean="0">
-                  <a:latin typeface="Century Gothic" panose="020B0502020202020204" pitchFamily="34" charset="0"/>
-                </a:rPr>
-                <a:t>F</a:t>
-              </a:r>
-              <a:endParaRPr lang="ko-KR" altLang="en-US" dirty="0">
-                <a:latin typeface="Century Gothic" panose="020B0502020202020204" pitchFamily="34" charset="0"/>
-              </a:endParaRPr>
-            </a:p>
-          </p:txBody>
-        </p:sp>
-        <p:sp>
-          <p:nvSpPr>
-            <p:cNvPr id="46" name="타원 45"/>
-            <p:cNvSpPr/>
-            <p:nvPr/>
-          </p:nvSpPr>
-          <p:spPr>
-            <a:xfrm>
-              <a:off x="4522462" y="4823570"/>
-              <a:ext cx="432048" cy="430734"/>
-            </a:xfrm>
-            <a:prstGeom prst="ellipse">
-              <a:avLst/>
-            </a:prstGeom>
-            <a:ln>
-              <a:solidFill>
-                <a:schemeClr val="tx1"/>
-              </a:solidFill>
-            </a:ln>
-          </p:spPr>
-          <p:style>
-            <a:lnRef idx="2">
-              <a:schemeClr val="accent4"/>
-            </a:lnRef>
-            <a:fillRef idx="1">
-              <a:schemeClr val="lt1"/>
-            </a:fillRef>
-            <a:effectRef idx="0">
-              <a:schemeClr val="accent4"/>
-            </a:effectRef>
-            <a:fontRef idx="minor">
-              <a:schemeClr val="dk1"/>
-            </a:fontRef>
-          </p:style>
-          <p:txBody>
-            <a:bodyPr rtlCol="0" anchor="ctr"/>
-            <a:lstStyle/>
-            <a:p>
-              <a:pPr algn="ctr"/>
-              <a:r>
-                <a:rPr lang="en-US" altLang="ko-KR" smtClean="0">
-                  <a:latin typeface="Century Gothic" panose="020B0502020202020204" pitchFamily="34" charset="0"/>
-                </a:rPr>
-                <a:t>G</a:t>
-              </a:r>
-              <a:endParaRPr lang="ko-KR" altLang="en-US" dirty="0">
-                <a:latin typeface="Century Gothic" panose="020B0502020202020204" pitchFamily="34" charset="0"/>
-              </a:endParaRPr>
-            </a:p>
-          </p:txBody>
-        </p:sp>
-        <p:sp>
-          <p:nvSpPr>
-            <p:cNvPr id="47" name="타원 46"/>
-            <p:cNvSpPr/>
-            <p:nvPr/>
-          </p:nvSpPr>
-          <p:spPr>
-            <a:xfrm>
-              <a:off x="5003732" y="4175135"/>
-              <a:ext cx="432048" cy="430734"/>
-            </a:xfrm>
-            <a:prstGeom prst="ellipse">
-              <a:avLst/>
-            </a:prstGeom>
-            <a:ln>
-              <a:solidFill>
-                <a:schemeClr val="tx1"/>
-              </a:solidFill>
-            </a:ln>
-          </p:spPr>
-          <p:style>
-            <a:lnRef idx="2">
-              <a:schemeClr val="accent4"/>
-            </a:lnRef>
-            <a:fillRef idx="1">
-              <a:schemeClr val="lt1"/>
-            </a:fillRef>
-            <a:effectRef idx="0">
-              <a:schemeClr val="accent4"/>
-            </a:effectRef>
-            <a:fontRef idx="minor">
-              <a:schemeClr val="dk1"/>
-            </a:fontRef>
-          </p:style>
-          <p:txBody>
-            <a:bodyPr rtlCol="0" anchor="ctr"/>
-            <a:lstStyle/>
-            <a:p>
-              <a:pPr algn="ctr"/>
-              <a:r>
-                <a:rPr lang="en-US" altLang="ko-KR" smtClean="0">
-                  <a:latin typeface="Century Gothic" panose="020B0502020202020204" pitchFamily="34" charset="0"/>
-                </a:rPr>
-                <a:t>C</a:t>
-              </a:r>
-              <a:endParaRPr lang="ko-KR" altLang="en-US" dirty="0">
-                <a:latin typeface="Century Gothic" panose="020B0502020202020204" pitchFamily="34" charset="0"/>
-              </a:endParaRPr>
-            </a:p>
-          </p:txBody>
-        </p:sp>
-        <p:cxnSp>
-          <p:nvCxnSpPr>
-            <p:cNvPr id="48" name="직선 화살표 연결선 47"/>
-            <p:cNvCxnSpPr/>
-            <p:nvPr/>
-          </p:nvCxnSpPr>
-          <p:spPr>
-            <a:xfrm flipH="1">
-              <a:off x="5895155" y="3159624"/>
-              <a:ext cx="452984" cy="441124"/>
-            </a:xfrm>
-            <a:prstGeom prst="straightConnector1">
-              <a:avLst/>
-            </a:prstGeom>
-            <a:ln w="19050">
-              <a:solidFill>
-                <a:schemeClr val="tx1"/>
-              </a:solidFill>
-              <a:tailEnd type="arrow"/>
-            </a:ln>
-          </p:spPr>
-          <p:style>
-            <a:lnRef idx="1">
-              <a:schemeClr val="accent1"/>
-            </a:lnRef>
-            <a:fillRef idx="0">
-              <a:schemeClr val="accent1"/>
-            </a:fillRef>
-            <a:effectRef idx="0">
-              <a:schemeClr val="accent1"/>
-            </a:effectRef>
-            <a:fontRef idx="minor">
-              <a:schemeClr val="tx1"/>
-            </a:fontRef>
-          </p:style>
-        </p:cxnSp>
-        <p:cxnSp>
-          <p:nvCxnSpPr>
-            <p:cNvPr id="49" name="직선 화살표 연결선 48"/>
-            <p:cNvCxnSpPr/>
-            <p:nvPr/>
-          </p:nvCxnSpPr>
-          <p:spPr>
-            <a:xfrm flipH="1">
-              <a:off x="5304023" y="3901703"/>
-              <a:ext cx="300292" cy="333476"/>
-            </a:xfrm>
-            <a:prstGeom prst="straightConnector1">
-              <a:avLst/>
-            </a:prstGeom>
-            <a:ln w="19050">
-              <a:solidFill>
-                <a:schemeClr val="tx1"/>
-              </a:solidFill>
-              <a:tailEnd type="arrow"/>
-            </a:ln>
-          </p:spPr>
-          <p:style>
-            <a:lnRef idx="1">
-              <a:schemeClr val="accent1"/>
-            </a:lnRef>
-            <a:fillRef idx="0">
-              <a:schemeClr val="accent1"/>
-            </a:fillRef>
-            <a:effectRef idx="0">
-              <a:schemeClr val="accent1"/>
-            </a:effectRef>
-            <a:fontRef idx="minor">
-              <a:schemeClr val="tx1"/>
-            </a:fontRef>
-          </p:style>
-        </p:cxnSp>
-        <p:cxnSp>
-          <p:nvCxnSpPr>
-            <p:cNvPr id="51" name="직선 화살표 연결선 50"/>
-            <p:cNvCxnSpPr/>
-            <p:nvPr/>
-          </p:nvCxnSpPr>
-          <p:spPr>
-            <a:xfrm>
-              <a:off x="5833321" y="3928457"/>
-              <a:ext cx="242516" cy="279968"/>
-            </a:xfrm>
-            <a:prstGeom prst="straightConnector1">
-              <a:avLst/>
-            </a:prstGeom>
-            <a:ln w="19050">
-              <a:solidFill>
-                <a:schemeClr val="tx1"/>
-              </a:solidFill>
-              <a:tailEnd type="arrow"/>
-            </a:ln>
-          </p:spPr>
-          <p:style>
-            <a:lnRef idx="1">
-              <a:schemeClr val="accent1"/>
-            </a:lnRef>
-            <a:fillRef idx="0">
-              <a:schemeClr val="accent1"/>
-            </a:fillRef>
-            <a:effectRef idx="0">
-              <a:schemeClr val="accent1"/>
-            </a:effectRef>
-            <a:fontRef idx="minor">
-              <a:schemeClr val="tx1"/>
-            </a:fontRef>
-          </p:style>
-        </p:cxnSp>
-        <p:cxnSp>
-          <p:nvCxnSpPr>
-            <p:cNvPr id="52" name="직선 화살표 연결선 51"/>
-            <p:cNvCxnSpPr/>
-            <p:nvPr/>
-          </p:nvCxnSpPr>
-          <p:spPr>
-            <a:xfrm flipH="1">
-              <a:off x="4831844" y="4559631"/>
-              <a:ext cx="240668" cy="313902"/>
-            </a:xfrm>
-            <a:prstGeom prst="straightConnector1">
-              <a:avLst/>
-            </a:prstGeom>
-            <a:ln w="19050">
-              <a:solidFill>
-                <a:schemeClr val="tx1"/>
-              </a:solidFill>
-              <a:tailEnd type="arrow"/>
-            </a:ln>
-          </p:spPr>
-          <p:style>
-            <a:lnRef idx="1">
-              <a:schemeClr val="accent1"/>
-            </a:lnRef>
-            <a:fillRef idx="0">
-              <a:schemeClr val="accent1"/>
-            </a:fillRef>
-            <a:effectRef idx="0">
-              <a:schemeClr val="accent1"/>
-            </a:effectRef>
-            <a:fontRef idx="minor">
-              <a:schemeClr val="tx1"/>
-            </a:fontRef>
-          </p:style>
-        </p:cxnSp>
-        <p:cxnSp>
-          <p:nvCxnSpPr>
-            <p:cNvPr id="53" name="직선 화살표 연결선 52"/>
-            <p:cNvCxnSpPr/>
-            <p:nvPr/>
-          </p:nvCxnSpPr>
-          <p:spPr>
-            <a:xfrm flipH="1">
-              <a:off x="6968554" y="3915111"/>
-              <a:ext cx="222724" cy="306660"/>
-            </a:xfrm>
-            <a:prstGeom prst="straightConnector1">
-              <a:avLst/>
-            </a:prstGeom>
-            <a:ln w="19050">
-              <a:solidFill>
-                <a:schemeClr val="tx1"/>
-              </a:solidFill>
-              <a:tailEnd type="arrow"/>
-            </a:ln>
-          </p:spPr>
-          <p:style>
-            <a:lnRef idx="1">
-              <a:schemeClr val="accent1"/>
-            </a:lnRef>
-            <a:fillRef idx="0">
-              <a:schemeClr val="accent1"/>
-            </a:fillRef>
-            <a:effectRef idx="0">
-              <a:schemeClr val="accent1"/>
-            </a:effectRef>
-            <a:fontRef idx="minor">
-              <a:schemeClr val="tx1"/>
-            </a:fontRef>
-          </p:style>
-        </p:cxnSp>
-        <p:cxnSp>
-          <p:nvCxnSpPr>
-            <p:cNvPr id="55" name="직선 화살표 연결선 54"/>
-            <p:cNvCxnSpPr/>
-            <p:nvPr/>
-          </p:nvCxnSpPr>
-          <p:spPr>
-            <a:xfrm>
-              <a:off x="6727613" y="3231632"/>
-              <a:ext cx="477533" cy="436586"/>
-            </a:xfrm>
-            <a:prstGeom prst="straightConnector1">
-              <a:avLst/>
-            </a:prstGeom>
-            <a:ln w="19050">
-              <a:solidFill>
-                <a:schemeClr val="tx1"/>
-              </a:solidFill>
-              <a:tailEnd type="arrow"/>
-            </a:ln>
-          </p:spPr>
-          <p:style>
-            <a:lnRef idx="1">
-              <a:schemeClr val="accent1"/>
-            </a:lnRef>
-            <a:fillRef idx="0">
-              <a:schemeClr val="accent1"/>
-            </a:fillRef>
-            <a:effectRef idx="0">
-              <a:schemeClr val="accent1"/>
-            </a:effectRef>
-            <a:fontRef idx="minor">
-              <a:schemeClr val="tx1"/>
-            </a:fontRef>
-          </p:style>
-        </p:cxnSp>
-      </p:grpSp>
-      <p:sp>
-        <p:nvSpPr>
-          <p:cNvPr id="111" name="직사각형 110"/>
-          <p:cNvSpPr/>
-          <p:nvPr/>
-        </p:nvSpPr>
-        <p:spPr>
-          <a:xfrm>
-            <a:off x="5802683" y="1198060"/>
-            <a:ext cx="2737429" cy="338554"/>
-          </a:xfrm>
-          <a:prstGeom prst="rect">
-            <a:avLst/>
-          </a:prstGeom>
-          <a:ln w="3175"/>
-        </p:spPr>
-        <p:style>
-          <a:lnRef idx="2">
-            <a:schemeClr val="accent4"/>
-          </a:lnRef>
-          <a:fillRef idx="1">
-            <a:schemeClr val="lt1"/>
-          </a:fillRef>
-          <a:effectRef idx="0">
-            <a:schemeClr val="accent4"/>
-          </a:effectRef>
-          <a:fontRef idx="minor">
-            <a:schemeClr val="dk1"/>
-          </a:fontRef>
-        </p:style>
-        <p:txBody>
-          <a:bodyPr wrap="square">
-            <a:spAutoFit/>
-          </a:bodyPr>
-          <a:lstStyle>
-            <a:defPPr>
-              <a:defRPr lang="ko-KR"/>
-            </a:defPPr>
-            <a:lvl1pPr marL="0" algn="l" defTabSz="914400" rtl="0" eaLnBrk="1" latinLnBrk="1" hangingPunct="1">
-              <a:defRPr sz="1800" kern="1200">
-                <a:solidFill>
-                  <a:schemeClr val="dk1"/>
-                </a:solidFill>
-                <a:latin typeface="+mn-lt"/>
-                <a:ea typeface="+mn-ea"/>
-                <a:cs typeface="+mn-cs"/>
-              </a:defRPr>
-            </a:lvl1pPr>
-            <a:lvl2pPr marL="457200" algn="l" defTabSz="914400" rtl="0" eaLnBrk="1" latinLnBrk="1" hangingPunct="1">
-              <a:defRPr sz="1800" kern="1200">
-                <a:solidFill>
-                  <a:schemeClr val="dk1"/>
-                </a:solidFill>
-                <a:latin typeface="+mn-lt"/>
-                <a:ea typeface="+mn-ea"/>
-                <a:cs typeface="+mn-cs"/>
-              </a:defRPr>
-            </a:lvl2pPr>
-            <a:lvl3pPr marL="914400" algn="l" defTabSz="914400" rtl="0" eaLnBrk="1" latinLnBrk="1" hangingPunct="1">
-              <a:defRPr sz="1800" kern="1200">
-                <a:solidFill>
-                  <a:schemeClr val="dk1"/>
-                </a:solidFill>
-                <a:latin typeface="+mn-lt"/>
-                <a:ea typeface="+mn-ea"/>
-                <a:cs typeface="+mn-cs"/>
-              </a:defRPr>
-            </a:lvl3pPr>
-            <a:lvl4pPr marL="1371600" algn="l" defTabSz="914400" rtl="0" eaLnBrk="1" latinLnBrk="1" hangingPunct="1">
-              <a:defRPr sz="1800" kern="1200">
-                <a:solidFill>
-                  <a:schemeClr val="dk1"/>
-                </a:solidFill>
-                <a:latin typeface="+mn-lt"/>
-                <a:ea typeface="+mn-ea"/>
-                <a:cs typeface="+mn-cs"/>
-              </a:defRPr>
-            </a:lvl4pPr>
-            <a:lvl5pPr marL="1828800" algn="l" defTabSz="914400" rtl="0" eaLnBrk="1" latinLnBrk="1" hangingPunct="1">
-              <a:defRPr sz="1800" kern="1200">
-                <a:solidFill>
-                  <a:schemeClr val="dk1"/>
-                </a:solidFill>
-                <a:latin typeface="+mn-lt"/>
-                <a:ea typeface="+mn-ea"/>
-                <a:cs typeface="+mn-cs"/>
-              </a:defRPr>
-            </a:lvl5pPr>
-            <a:lvl6pPr marL="2286000" algn="l" defTabSz="914400" rtl="0" eaLnBrk="1" latinLnBrk="1" hangingPunct="1">
-              <a:defRPr sz="1800" kern="1200">
-                <a:solidFill>
-                  <a:schemeClr val="dk1"/>
-                </a:solidFill>
-                <a:latin typeface="+mn-lt"/>
-                <a:ea typeface="+mn-ea"/>
-                <a:cs typeface="+mn-cs"/>
-              </a:defRPr>
-            </a:lvl6pPr>
-            <a:lvl7pPr marL="2743200" algn="l" defTabSz="914400" rtl="0" eaLnBrk="1" latinLnBrk="1" hangingPunct="1">
-              <a:defRPr sz="1800" kern="1200">
-                <a:solidFill>
-                  <a:schemeClr val="dk1"/>
-                </a:solidFill>
-                <a:latin typeface="+mn-lt"/>
-                <a:ea typeface="+mn-ea"/>
-                <a:cs typeface="+mn-cs"/>
-              </a:defRPr>
-            </a:lvl7pPr>
-            <a:lvl8pPr marL="3200400" algn="l" defTabSz="914400" rtl="0" eaLnBrk="1" latinLnBrk="1" hangingPunct="1">
-              <a:defRPr sz="1800" kern="1200">
-                <a:solidFill>
-                  <a:schemeClr val="dk1"/>
-                </a:solidFill>
-                <a:latin typeface="+mn-lt"/>
-                <a:ea typeface="+mn-ea"/>
-                <a:cs typeface="+mn-cs"/>
-              </a:defRPr>
-            </a:lvl8pPr>
-            <a:lvl9pPr marL="3657600" algn="l" defTabSz="914400" rtl="0" eaLnBrk="1" latinLnBrk="1" hangingPunct="1">
-              <a:defRPr sz="1800" kern="1200">
-                <a:solidFill>
-                  <a:schemeClr val="dk1"/>
-                </a:solidFill>
-                <a:latin typeface="+mn-lt"/>
-                <a:ea typeface="+mn-ea"/>
-                <a:cs typeface="+mn-cs"/>
-              </a:defRPr>
-            </a:lvl9pPr>
-          </a:lstStyle>
-          <a:p>
-            <a:r>
-              <a:rPr lang="en-US" altLang="ko-KR" sz="1600" dirty="0" smtClean="0">
-                <a:latin typeface="Century Gothic" panose="020B0502020202020204" pitchFamily="34" charset="0"/>
-              </a:rPr>
-              <a:t>7 </a:t>
-            </a:r>
-            <a:endParaRPr lang="ko-KR" altLang="en-US" sz="1600" dirty="0">
-              <a:latin typeface="Century Gothic" panose="020B0502020202020204" pitchFamily="34" charset="0"/>
-            </a:endParaRPr>
-          </a:p>
-        </p:txBody>
-      </p:sp>
-      <p:sp>
-        <p:nvSpPr>
-          <p:cNvPr id="112" name="직사각형 111"/>
-          <p:cNvSpPr/>
-          <p:nvPr/>
-        </p:nvSpPr>
-        <p:spPr>
-          <a:xfrm>
-            <a:off x="5802683" y="1574625"/>
-            <a:ext cx="2748678" cy="338554"/>
-          </a:xfrm>
-          <a:prstGeom prst="rect">
-            <a:avLst/>
-          </a:prstGeom>
-          <a:ln w="3175"/>
-        </p:spPr>
-        <p:style>
-          <a:lnRef idx="2">
-            <a:schemeClr val="accent4"/>
-          </a:lnRef>
-          <a:fillRef idx="1">
-            <a:schemeClr val="lt1"/>
-          </a:fillRef>
-          <a:effectRef idx="0">
-            <a:schemeClr val="accent4"/>
-          </a:effectRef>
-          <a:fontRef idx="minor">
-            <a:schemeClr val="dk1"/>
-          </a:fontRef>
-        </p:style>
-        <p:txBody>
-          <a:bodyPr wrap="square">
-            <a:spAutoFit/>
-          </a:bodyPr>
-          <a:lstStyle>
-            <a:defPPr>
-              <a:defRPr lang="ko-KR"/>
-            </a:defPPr>
-            <a:lvl1pPr marL="0" algn="l" defTabSz="914400" rtl="0" eaLnBrk="1" latinLnBrk="1" hangingPunct="1">
-              <a:defRPr sz="1800" kern="1200">
-                <a:solidFill>
-                  <a:schemeClr val="dk1"/>
-                </a:solidFill>
-                <a:latin typeface="+mn-lt"/>
-                <a:ea typeface="+mn-ea"/>
-                <a:cs typeface="+mn-cs"/>
-              </a:defRPr>
-            </a:lvl1pPr>
-            <a:lvl2pPr marL="457200" algn="l" defTabSz="914400" rtl="0" eaLnBrk="1" latinLnBrk="1" hangingPunct="1">
-              <a:defRPr sz="1800" kern="1200">
-                <a:solidFill>
-                  <a:schemeClr val="dk1"/>
-                </a:solidFill>
-                <a:latin typeface="+mn-lt"/>
-                <a:ea typeface="+mn-ea"/>
-                <a:cs typeface="+mn-cs"/>
-              </a:defRPr>
-            </a:lvl2pPr>
-            <a:lvl3pPr marL="914400" algn="l" defTabSz="914400" rtl="0" eaLnBrk="1" latinLnBrk="1" hangingPunct="1">
-              <a:defRPr sz="1800" kern="1200">
-                <a:solidFill>
-                  <a:schemeClr val="dk1"/>
-                </a:solidFill>
-                <a:latin typeface="+mn-lt"/>
-                <a:ea typeface="+mn-ea"/>
-                <a:cs typeface="+mn-cs"/>
-              </a:defRPr>
-            </a:lvl3pPr>
-            <a:lvl4pPr marL="1371600" algn="l" defTabSz="914400" rtl="0" eaLnBrk="1" latinLnBrk="1" hangingPunct="1">
-              <a:defRPr sz="1800" kern="1200">
-                <a:solidFill>
-                  <a:schemeClr val="dk1"/>
-                </a:solidFill>
-                <a:latin typeface="+mn-lt"/>
-                <a:ea typeface="+mn-ea"/>
-                <a:cs typeface="+mn-cs"/>
-              </a:defRPr>
-            </a:lvl4pPr>
-            <a:lvl5pPr marL="1828800" algn="l" defTabSz="914400" rtl="0" eaLnBrk="1" latinLnBrk="1" hangingPunct="1">
-              <a:defRPr sz="1800" kern="1200">
-                <a:solidFill>
-                  <a:schemeClr val="dk1"/>
-                </a:solidFill>
-                <a:latin typeface="+mn-lt"/>
-                <a:ea typeface="+mn-ea"/>
-                <a:cs typeface="+mn-cs"/>
-              </a:defRPr>
-            </a:lvl5pPr>
-            <a:lvl6pPr marL="2286000" algn="l" defTabSz="914400" rtl="0" eaLnBrk="1" latinLnBrk="1" hangingPunct="1">
-              <a:defRPr sz="1800" kern="1200">
-                <a:solidFill>
-                  <a:schemeClr val="dk1"/>
-                </a:solidFill>
-                <a:latin typeface="+mn-lt"/>
-                <a:ea typeface="+mn-ea"/>
-                <a:cs typeface="+mn-cs"/>
-              </a:defRPr>
-            </a:lvl6pPr>
-            <a:lvl7pPr marL="2743200" algn="l" defTabSz="914400" rtl="0" eaLnBrk="1" latinLnBrk="1" hangingPunct="1">
-              <a:defRPr sz="1800" kern="1200">
-                <a:solidFill>
-                  <a:schemeClr val="dk1"/>
-                </a:solidFill>
-                <a:latin typeface="+mn-lt"/>
-                <a:ea typeface="+mn-ea"/>
-                <a:cs typeface="+mn-cs"/>
-              </a:defRPr>
-            </a:lvl7pPr>
-            <a:lvl8pPr marL="3200400" algn="l" defTabSz="914400" rtl="0" eaLnBrk="1" latinLnBrk="1" hangingPunct="1">
-              <a:defRPr sz="1800" kern="1200">
-                <a:solidFill>
-                  <a:schemeClr val="dk1"/>
-                </a:solidFill>
-                <a:latin typeface="+mn-lt"/>
-                <a:ea typeface="+mn-ea"/>
-                <a:cs typeface="+mn-cs"/>
-              </a:defRPr>
-            </a:lvl8pPr>
-            <a:lvl9pPr marL="3657600" algn="l" defTabSz="914400" rtl="0" eaLnBrk="1" latinLnBrk="1" hangingPunct="1">
-              <a:defRPr sz="1800" kern="1200">
-                <a:solidFill>
-                  <a:schemeClr val="dk1"/>
-                </a:solidFill>
-                <a:latin typeface="+mn-lt"/>
-                <a:ea typeface="+mn-ea"/>
-                <a:cs typeface="+mn-cs"/>
-              </a:defRPr>
-            </a:lvl9pPr>
-          </a:lstStyle>
-          <a:p>
-            <a:r>
-              <a:rPr lang="en-US" altLang="ko-KR" sz="1600" dirty="0" smtClean="0">
-                <a:latin typeface="Century Gothic" panose="020B0502020202020204" pitchFamily="34" charset="0"/>
-              </a:rPr>
-              <a:t>0 </a:t>
-            </a:r>
-            <a:endParaRPr lang="ko-KR" altLang="en-US" sz="1600" dirty="0">
-              <a:latin typeface="Century Gothic" panose="020B0502020202020204" pitchFamily="34" charset="0"/>
-            </a:endParaRPr>
-          </a:p>
-        </p:txBody>
-      </p:sp>
-      <p:sp>
-        <p:nvSpPr>
-          <p:cNvPr id="113" name="직사각형 112"/>
-          <p:cNvSpPr/>
-          <p:nvPr/>
-        </p:nvSpPr>
-        <p:spPr>
-          <a:xfrm>
-            <a:off x="5802684" y="1939663"/>
-            <a:ext cx="2748677" cy="338554"/>
-          </a:xfrm>
-          <a:prstGeom prst="rect">
-            <a:avLst/>
-          </a:prstGeom>
-          <a:ln w="3175"/>
-        </p:spPr>
-        <p:style>
-          <a:lnRef idx="2">
-            <a:schemeClr val="accent4"/>
-          </a:lnRef>
-          <a:fillRef idx="1">
-            <a:schemeClr val="lt1"/>
-          </a:fillRef>
-          <a:effectRef idx="0">
-            <a:schemeClr val="accent4"/>
-          </a:effectRef>
-          <a:fontRef idx="minor">
-            <a:schemeClr val="dk1"/>
-          </a:fontRef>
-        </p:style>
-        <p:txBody>
-          <a:bodyPr wrap="square">
-            <a:spAutoFit/>
-          </a:bodyPr>
-          <a:lstStyle>
-            <a:defPPr>
-              <a:defRPr lang="ko-KR"/>
-            </a:defPPr>
-            <a:lvl1pPr marL="0" algn="l" defTabSz="914400" rtl="0" eaLnBrk="1" latinLnBrk="1" hangingPunct="1">
-              <a:defRPr sz="1800" kern="1200">
-                <a:solidFill>
-                  <a:schemeClr val="dk1"/>
-                </a:solidFill>
-                <a:latin typeface="+mn-lt"/>
-                <a:ea typeface="+mn-ea"/>
-                <a:cs typeface="+mn-cs"/>
-              </a:defRPr>
-            </a:lvl1pPr>
-            <a:lvl2pPr marL="457200" algn="l" defTabSz="914400" rtl="0" eaLnBrk="1" latinLnBrk="1" hangingPunct="1">
-              <a:defRPr sz="1800" kern="1200">
-                <a:solidFill>
-                  <a:schemeClr val="dk1"/>
-                </a:solidFill>
-                <a:latin typeface="+mn-lt"/>
-                <a:ea typeface="+mn-ea"/>
-                <a:cs typeface="+mn-cs"/>
-              </a:defRPr>
-            </a:lvl2pPr>
-            <a:lvl3pPr marL="914400" algn="l" defTabSz="914400" rtl="0" eaLnBrk="1" latinLnBrk="1" hangingPunct="1">
-              <a:defRPr sz="1800" kern="1200">
-                <a:solidFill>
-                  <a:schemeClr val="dk1"/>
-                </a:solidFill>
-                <a:latin typeface="+mn-lt"/>
-                <a:ea typeface="+mn-ea"/>
-                <a:cs typeface="+mn-cs"/>
-              </a:defRPr>
-            </a:lvl3pPr>
-            <a:lvl4pPr marL="1371600" algn="l" defTabSz="914400" rtl="0" eaLnBrk="1" latinLnBrk="1" hangingPunct="1">
-              <a:defRPr sz="1800" kern="1200">
-                <a:solidFill>
-                  <a:schemeClr val="dk1"/>
-                </a:solidFill>
-                <a:latin typeface="+mn-lt"/>
-                <a:ea typeface="+mn-ea"/>
-                <a:cs typeface="+mn-cs"/>
-              </a:defRPr>
-            </a:lvl4pPr>
-            <a:lvl5pPr marL="1828800" algn="l" defTabSz="914400" rtl="0" eaLnBrk="1" latinLnBrk="1" hangingPunct="1">
-              <a:defRPr sz="1800" kern="1200">
-                <a:solidFill>
-                  <a:schemeClr val="dk1"/>
-                </a:solidFill>
-                <a:latin typeface="+mn-lt"/>
-                <a:ea typeface="+mn-ea"/>
-                <a:cs typeface="+mn-cs"/>
-              </a:defRPr>
-            </a:lvl5pPr>
-            <a:lvl6pPr marL="2286000" algn="l" defTabSz="914400" rtl="0" eaLnBrk="1" latinLnBrk="1" hangingPunct="1">
-              <a:defRPr sz="1800" kern="1200">
-                <a:solidFill>
-                  <a:schemeClr val="dk1"/>
-                </a:solidFill>
-                <a:latin typeface="+mn-lt"/>
-                <a:ea typeface="+mn-ea"/>
-                <a:cs typeface="+mn-cs"/>
-              </a:defRPr>
-            </a:lvl6pPr>
-            <a:lvl7pPr marL="2743200" algn="l" defTabSz="914400" rtl="0" eaLnBrk="1" latinLnBrk="1" hangingPunct="1">
-              <a:defRPr sz="1800" kern="1200">
-                <a:solidFill>
-                  <a:schemeClr val="dk1"/>
-                </a:solidFill>
-                <a:latin typeface="+mn-lt"/>
-                <a:ea typeface="+mn-ea"/>
-                <a:cs typeface="+mn-cs"/>
-              </a:defRPr>
-            </a:lvl7pPr>
-            <a:lvl8pPr marL="3200400" algn="l" defTabSz="914400" rtl="0" eaLnBrk="1" latinLnBrk="1" hangingPunct="1">
-              <a:defRPr sz="1800" kern="1200">
-                <a:solidFill>
-                  <a:schemeClr val="dk1"/>
-                </a:solidFill>
-                <a:latin typeface="+mn-lt"/>
-                <a:ea typeface="+mn-ea"/>
-                <a:cs typeface="+mn-cs"/>
-              </a:defRPr>
-            </a:lvl8pPr>
-            <a:lvl9pPr marL="3657600" algn="l" defTabSz="914400" rtl="0" eaLnBrk="1" latinLnBrk="1" hangingPunct="1">
-              <a:defRPr sz="1800" kern="1200">
-                <a:solidFill>
-                  <a:schemeClr val="dk1"/>
-                </a:solidFill>
-                <a:latin typeface="+mn-lt"/>
-                <a:ea typeface="+mn-ea"/>
-                <a:cs typeface="+mn-cs"/>
-              </a:defRPr>
-            </a:lvl9pPr>
-          </a:lstStyle>
-          <a:p>
-            <a:r>
-              <a:rPr lang="en-US" altLang="ko-KR" sz="1600" dirty="0" smtClean="0">
-                <a:latin typeface="Century Gothic" panose="020B0502020202020204" pitchFamily="34" charset="0"/>
-              </a:rPr>
-              <a:t>0</a:t>
-            </a:r>
-            <a:endParaRPr lang="ko-KR" altLang="en-US" sz="1600" dirty="0">
-              <a:latin typeface="Century Gothic" panose="020B0502020202020204" pitchFamily="34" charset="0"/>
-            </a:endParaRPr>
-          </a:p>
-        </p:txBody>
-      </p:sp>
-      <p:sp>
-        <p:nvSpPr>
-          <p:cNvPr id="114" name="직사각형 113"/>
-          <p:cNvSpPr/>
-          <p:nvPr/>
-        </p:nvSpPr>
-        <p:spPr>
-          <a:xfrm>
-            <a:off x="8683003" y="1201832"/>
-            <a:ext cx="3018372" cy="338554"/>
-          </a:xfrm>
-          <a:prstGeom prst="rect">
-            <a:avLst/>
-          </a:prstGeom>
-          <a:ln w="3175"/>
-        </p:spPr>
-        <p:style>
-          <a:lnRef idx="2">
-            <a:schemeClr val="accent4"/>
-          </a:lnRef>
-          <a:fillRef idx="1">
-            <a:schemeClr val="lt1"/>
-          </a:fillRef>
-          <a:effectRef idx="0">
-            <a:schemeClr val="accent4"/>
-          </a:effectRef>
-          <a:fontRef idx="minor">
-            <a:schemeClr val="dk1"/>
-          </a:fontRef>
-        </p:style>
-        <p:txBody>
-          <a:bodyPr wrap="square">
-            <a:spAutoFit/>
-          </a:bodyPr>
-          <a:lstStyle>
-            <a:defPPr>
-              <a:defRPr lang="ko-KR"/>
-            </a:defPPr>
-            <a:lvl1pPr marL="0" algn="l" defTabSz="914400" rtl="0" eaLnBrk="1" latinLnBrk="1" hangingPunct="1">
-              <a:defRPr sz="1800" kern="1200">
-                <a:solidFill>
-                  <a:schemeClr val="dk1"/>
-                </a:solidFill>
-                <a:latin typeface="+mn-lt"/>
-                <a:ea typeface="+mn-ea"/>
-                <a:cs typeface="+mn-cs"/>
-              </a:defRPr>
-            </a:lvl1pPr>
-            <a:lvl2pPr marL="457200" algn="l" defTabSz="914400" rtl="0" eaLnBrk="1" latinLnBrk="1" hangingPunct="1">
-              <a:defRPr sz="1800" kern="1200">
-                <a:solidFill>
-                  <a:schemeClr val="dk1"/>
-                </a:solidFill>
-                <a:latin typeface="+mn-lt"/>
-                <a:ea typeface="+mn-ea"/>
-                <a:cs typeface="+mn-cs"/>
-              </a:defRPr>
-            </a:lvl2pPr>
-            <a:lvl3pPr marL="914400" algn="l" defTabSz="914400" rtl="0" eaLnBrk="1" latinLnBrk="1" hangingPunct="1">
-              <a:defRPr sz="1800" kern="1200">
-                <a:solidFill>
-                  <a:schemeClr val="dk1"/>
-                </a:solidFill>
-                <a:latin typeface="+mn-lt"/>
-                <a:ea typeface="+mn-ea"/>
-                <a:cs typeface="+mn-cs"/>
-              </a:defRPr>
-            </a:lvl3pPr>
-            <a:lvl4pPr marL="1371600" algn="l" defTabSz="914400" rtl="0" eaLnBrk="1" latinLnBrk="1" hangingPunct="1">
-              <a:defRPr sz="1800" kern="1200">
-                <a:solidFill>
-                  <a:schemeClr val="dk1"/>
-                </a:solidFill>
-                <a:latin typeface="+mn-lt"/>
-                <a:ea typeface="+mn-ea"/>
-                <a:cs typeface="+mn-cs"/>
-              </a:defRPr>
-            </a:lvl4pPr>
-            <a:lvl5pPr marL="1828800" algn="l" defTabSz="914400" rtl="0" eaLnBrk="1" latinLnBrk="1" hangingPunct="1">
-              <a:defRPr sz="1800" kern="1200">
-                <a:solidFill>
-                  <a:schemeClr val="dk1"/>
-                </a:solidFill>
-                <a:latin typeface="+mn-lt"/>
-                <a:ea typeface="+mn-ea"/>
-                <a:cs typeface="+mn-cs"/>
-              </a:defRPr>
-            </a:lvl5pPr>
-            <a:lvl6pPr marL="2286000" algn="l" defTabSz="914400" rtl="0" eaLnBrk="1" latinLnBrk="1" hangingPunct="1">
-              <a:defRPr sz="1800" kern="1200">
-                <a:solidFill>
-                  <a:schemeClr val="dk1"/>
-                </a:solidFill>
-                <a:latin typeface="+mn-lt"/>
-                <a:ea typeface="+mn-ea"/>
-                <a:cs typeface="+mn-cs"/>
-              </a:defRPr>
-            </a:lvl6pPr>
-            <a:lvl7pPr marL="2743200" algn="l" defTabSz="914400" rtl="0" eaLnBrk="1" latinLnBrk="1" hangingPunct="1">
-              <a:defRPr sz="1800" kern="1200">
-                <a:solidFill>
-                  <a:schemeClr val="dk1"/>
-                </a:solidFill>
-                <a:latin typeface="+mn-lt"/>
-                <a:ea typeface="+mn-ea"/>
-                <a:cs typeface="+mn-cs"/>
-              </a:defRPr>
-            </a:lvl7pPr>
-            <a:lvl8pPr marL="3200400" algn="l" defTabSz="914400" rtl="0" eaLnBrk="1" latinLnBrk="1" hangingPunct="1">
-              <a:defRPr sz="1800" kern="1200">
-                <a:solidFill>
-                  <a:schemeClr val="dk1"/>
-                </a:solidFill>
-                <a:latin typeface="+mn-lt"/>
-                <a:ea typeface="+mn-ea"/>
-                <a:cs typeface="+mn-cs"/>
-              </a:defRPr>
-            </a:lvl8pPr>
-            <a:lvl9pPr marL="3657600" algn="l" defTabSz="914400" rtl="0" eaLnBrk="1" latinLnBrk="1" hangingPunct="1">
-              <a:defRPr sz="1800" kern="1200">
-                <a:solidFill>
-                  <a:schemeClr val="dk1"/>
-                </a:solidFill>
-                <a:latin typeface="+mn-lt"/>
-                <a:ea typeface="+mn-ea"/>
-                <a:cs typeface="+mn-cs"/>
-              </a:defRPr>
-            </a:lvl9pPr>
-          </a:lstStyle>
-          <a:p>
-            <a:r>
-              <a:rPr lang="en-US" altLang="ko-KR" sz="1600" dirty="0" smtClean="0">
-                <a:latin typeface="Century Gothic" panose="020B0502020202020204" pitchFamily="34" charset="0"/>
-              </a:rPr>
-              <a:t>25</a:t>
-            </a:r>
-            <a:endParaRPr lang="ko-KR" altLang="en-US" sz="1600" dirty="0">
-              <a:latin typeface="Century Gothic" panose="020B0502020202020204" pitchFamily="34" charset="0"/>
-            </a:endParaRPr>
-          </a:p>
-        </p:txBody>
-      </p:sp>
-      <p:sp>
-        <p:nvSpPr>
-          <p:cNvPr id="115" name="직사각형 114"/>
-          <p:cNvSpPr/>
-          <p:nvPr/>
-        </p:nvSpPr>
-        <p:spPr>
-          <a:xfrm>
-            <a:off x="8694252" y="1578397"/>
-            <a:ext cx="3018372" cy="338554"/>
-          </a:xfrm>
-          <a:prstGeom prst="rect">
-            <a:avLst/>
-          </a:prstGeom>
-          <a:ln w="3175"/>
-        </p:spPr>
-        <p:style>
-          <a:lnRef idx="2">
-            <a:schemeClr val="accent4"/>
-          </a:lnRef>
-          <a:fillRef idx="1">
-            <a:schemeClr val="lt1"/>
-          </a:fillRef>
-          <a:effectRef idx="0">
-            <a:schemeClr val="accent4"/>
-          </a:effectRef>
-          <a:fontRef idx="minor">
-            <a:schemeClr val="dk1"/>
-          </a:fontRef>
-        </p:style>
-        <p:txBody>
-          <a:bodyPr wrap="square">
-            <a:spAutoFit/>
-          </a:bodyPr>
-          <a:lstStyle>
-            <a:defPPr>
-              <a:defRPr lang="ko-KR"/>
-            </a:defPPr>
-            <a:lvl1pPr marL="0" algn="l" defTabSz="914400" rtl="0" eaLnBrk="1" latinLnBrk="1" hangingPunct="1">
-              <a:defRPr sz="1800" kern="1200">
-                <a:solidFill>
-                  <a:schemeClr val="dk1"/>
-                </a:solidFill>
-                <a:latin typeface="+mn-lt"/>
-                <a:ea typeface="+mn-ea"/>
-                <a:cs typeface="+mn-cs"/>
-              </a:defRPr>
-            </a:lvl1pPr>
-            <a:lvl2pPr marL="457200" algn="l" defTabSz="914400" rtl="0" eaLnBrk="1" latinLnBrk="1" hangingPunct="1">
-              <a:defRPr sz="1800" kern="1200">
-                <a:solidFill>
-                  <a:schemeClr val="dk1"/>
-                </a:solidFill>
-                <a:latin typeface="+mn-lt"/>
-                <a:ea typeface="+mn-ea"/>
-                <a:cs typeface="+mn-cs"/>
-              </a:defRPr>
-            </a:lvl2pPr>
-            <a:lvl3pPr marL="914400" algn="l" defTabSz="914400" rtl="0" eaLnBrk="1" latinLnBrk="1" hangingPunct="1">
-              <a:defRPr sz="1800" kern="1200">
-                <a:solidFill>
-                  <a:schemeClr val="dk1"/>
-                </a:solidFill>
-                <a:latin typeface="+mn-lt"/>
-                <a:ea typeface="+mn-ea"/>
-                <a:cs typeface="+mn-cs"/>
-              </a:defRPr>
-            </a:lvl3pPr>
-            <a:lvl4pPr marL="1371600" algn="l" defTabSz="914400" rtl="0" eaLnBrk="1" latinLnBrk="1" hangingPunct="1">
-              <a:defRPr sz="1800" kern="1200">
-                <a:solidFill>
-                  <a:schemeClr val="dk1"/>
-                </a:solidFill>
-                <a:latin typeface="+mn-lt"/>
-                <a:ea typeface="+mn-ea"/>
-                <a:cs typeface="+mn-cs"/>
-              </a:defRPr>
-            </a:lvl4pPr>
-            <a:lvl5pPr marL="1828800" algn="l" defTabSz="914400" rtl="0" eaLnBrk="1" latinLnBrk="1" hangingPunct="1">
-              <a:defRPr sz="1800" kern="1200">
-                <a:solidFill>
-                  <a:schemeClr val="dk1"/>
-                </a:solidFill>
-                <a:latin typeface="+mn-lt"/>
-                <a:ea typeface="+mn-ea"/>
-                <a:cs typeface="+mn-cs"/>
-              </a:defRPr>
-            </a:lvl5pPr>
-            <a:lvl6pPr marL="2286000" algn="l" defTabSz="914400" rtl="0" eaLnBrk="1" latinLnBrk="1" hangingPunct="1">
-              <a:defRPr sz="1800" kern="1200">
-                <a:solidFill>
-                  <a:schemeClr val="dk1"/>
-                </a:solidFill>
-                <a:latin typeface="+mn-lt"/>
-                <a:ea typeface="+mn-ea"/>
-                <a:cs typeface="+mn-cs"/>
-              </a:defRPr>
-            </a:lvl6pPr>
-            <a:lvl7pPr marL="2743200" algn="l" defTabSz="914400" rtl="0" eaLnBrk="1" latinLnBrk="1" hangingPunct="1">
-              <a:defRPr sz="1800" kern="1200">
-                <a:solidFill>
-                  <a:schemeClr val="dk1"/>
-                </a:solidFill>
-                <a:latin typeface="+mn-lt"/>
-                <a:ea typeface="+mn-ea"/>
-                <a:cs typeface="+mn-cs"/>
-              </a:defRPr>
-            </a:lvl7pPr>
-            <a:lvl8pPr marL="3200400" algn="l" defTabSz="914400" rtl="0" eaLnBrk="1" latinLnBrk="1" hangingPunct="1">
-              <a:defRPr sz="1800" kern="1200">
-                <a:solidFill>
-                  <a:schemeClr val="dk1"/>
-                </a:solidFill>
-                <a:latin typeface="+mn-lt"/>
-                <a:ea typeface="+mn-ea"/>
-                <a:cs typeface="+mn-cs"/>
-              </a:defRPr>
-            </a:lvl8pPr>
-            <a:lvl9pPr marL="3657600" algn="l" defTabSz="914400" rtl="0" eaLnBrk="1" latinLnBrk="1" hangingPunct="1">
-              <a:defRPr sz="1800" kern="1200">
-                <a:solidFill>
-                  <a:schemeClr val="dk1"/>
-                </a:solidFill>
-                <a:latin typeface="+mn-lt"/>
-                <a:ea typeface="+mn-ea"/>
-                <a:cs typeface="+mn-cs"/>
-              </a:defRPr>
-            </a:lvl9pPr>
-          </a:lstStyle>
-          <a:p>
-            <a:r>
-              <a:rPr lang="en-US" altLang="ko-KR" sz="1600" dirty="0" smtClean="0">
-                <a:latin typeface="Century Gothic" panose="020B0502020202020204" pitchFamily="34" charset="0"/>
-              </a:rPr>
-              <a:t>7 </a:t>
-            </a:r>
-            <a:endParaRPr lang="ko-KR" altLang="en-US" sz="1600" dirty="0">
-              <a:latin typeface="Century Gothic" panose="020B0502020202020204" pitchFamily="34" charset="0"/>
-            </a:endParaRPr>
-          </a:p>
-        </p:txBody>
-      </p:sp>
-      <p:sp>
-        <p:nvSpPr>
-          <p:cNvPr id="116" name="직사각형 115"/>
-          <p:cNvSpPr/>
-          <p:nvPr/>
-        </p:nvSpPr>
-        <p:spPr>
-          <a:xfrm>
-            <a:off x="8694252" y="1943434"/>
-            <a:ext cx="3018372" cy="338554"/>
-          </a:xfrm>
-          <a:prstGeom prst="rect">
-            <a:avLst/>
-          </a:prstGeom>
-          <a:ln w="3175"/>
-        </p:spPr>
-        <p:style>
-          <a:lnRef idx="2">
-            <a:schemeClr val="accent4"/>
-          </a:lnRef>
-          <a:fillRef idx="1">
-            <a:schemeClr val="lt1"/>
-          </a:fillRef>
-          <a:effectRef idx="0">
-            <a:schemeClr val="accent4"/>
-          </a:effectRef>
-          <a:fontRef idx="minor">
-            <a:schemeClr val="dk1"/>
-          </a:fontRef>
-        </p:style>
-        <p:txBody>
-          <a:bodyPr wrap="square">
-            <a:spAutoFit/>
-          </a:bodyPr>
-          <a:lstStyle>
-            <a:defPPr>
-              <a:defRPr lang="ko-KR"/>
-            </a:defPPr>
-            <a:lvl1pPr marL="0" algn="l" defTabSz="914400" rtl="0" eaLnBrk="1" latinLnBrk="1" hangingPunct="1">
-              <a:defRPr sz="1800" kern="1200">
-                <a:solidFill>
-                  <a:schemeClr val="dk1"/>
-                </a:solidFill>
-                <a:latin typeface="+mn-lt"/>
-                <a:ea typeface="+mn-ea"/>
-                <a:cs typeface="+mn-cs"/>
-              </a:defRPr>
-            </a:lvl1pPr>
-            <a:lvl2pPr marL="457200" algn="l" defTabSz="914400" rtl="0" eaLnBrk="1" latinLnBrk="1" hangingPunct="1">
-              <a:defRPr sz="1800" kern="1200">
-                <a:solidFill>
-                  <a:schemeClr val="dk1"/>
-                </a:solidFill>
-                <a:latin typeface="+mn-lt"/>
-                <a:ea typeface="+mn-ea"/>
-                <a:cs typeface="+mn-cs"/>
-              </a:defRPr>
-            </a:lvl2pPr>
-            <a:lvl3pPr marL="914400" algn="l" defTabSz="914400" rtl="0" eaLnBrk="1" latinLnBrk="1" hangingPunct="1">
-              <a:defRPr sz="1800" kern="1200">
-                <a:solidFill>
-                  <a:schemeClr val="dk1"/>
-                </a:solidFill>
-                <a:latin typeface="+mn-lt"/>
-                <a:ea typeface="+mn-ea"/>
-                <a:cs typeface="+mn-cs"/>
-              </a:defRPr>
-            </a:lvl3pPr>
-            <a:lvl4pPr marL="1371600" algn="l" defTabSz="914400" rtl="0" eaLnBrk="1" latinLnBrk="1" hangingPunct="1">
-              <a:defRPr sz="1800" kern="1200">
-                <a:solidFill>
-                  <a:schemeClr val="dk1"/>
-                </a:solidFill>
-                <a:latin typeface="+mn-lt"/>
-                <a:ea typeface="+mn-ea"/>
-                <a:cs typeface="+mn-cs"/>
-              </a:defRPr>
-            </a:lvl4pPr>
-            <a:lvl5pPr marL="1828800" algn="l" defTabSz="914400" rtl="0" eaLnBrk="1" latinLnBrk="1" hangingPunct="1">
-              <a:defRPr sz="1800" kern="1200">
-                <a:solidFill>
-                  <a:schemeClr val="dk1"/>
-                </a:solidFill>
-                <a:latin typeface="+mn-lt"/>
-                <a:ea typeface="+mn-ea"/>
-                <a:cs typeface="+mn-cs"/>
-              </a:defRPr>
-            </a:lvl5pPr>
-            <a:lvl6pPr marL="2286000" algn="l" defTabSz="914400" rtl="0" eaLnBrk="1" latinLnBrk="1" hangingPunct="1">
-              <a:defRPr sz="1800" kern="1200">
-                <a:solidFill>
-                  <a:schemeClr val="dk1"/>
-                </a:solidFill>
-                <a:latin typeface="+mn-lt"/>
-                <a:ea typeface="+mn-ea"/>
-                <a:cs typeface="+mn-cs"/>
-              </a:defRPr>
-            </a:lvl6pPr>
-            <a:lvl7pPr marL="2743200" algn="l" defTabSz="914400" rtl="0" eaLnBrk="1" latinLnBrk="1" hangingPunct="1">
-              <a:defRPr sz="1800" kern="1200">
-                <a:solidFill>
-                  <a:schemeClr val="dk1"/>
-                </a:solidFill>
-                <a:latin typeface="+mn-lt"/>
-                <a:ea typeface="+mn-ea"/>
-                <a:cs typeface="+mn-cs"/>
-              </a:defRPr>
-            </a:lvl7pPr>
-            <a:lvl8pPr marL="3200400" algn="l" defTabSz="914400" rtl="0" eaLnBrk="1" latinLnBrk="1" hangingPunct="1">
-              <a:defRPr sz="1800" kern="1200">
-                <a:solidFill>
-                  <a:schemeClr val="dk1"/>
-                </a:solidFill>
-                <a:latin typeface="+mn-lt"/>
-                <a:ea typeface="+mn-ea"/>
-                <a:cs typeface="+mn-cs"/>
-              </a:defRPr>
-            </a:lvl8pPr>
-            <a:lvl9pPr marL="3657600" algn="l" defTabSz="914400" rtl="0" eaLnBrk="1" latinLnBrk="1" hangingPunct="1">
-              <a:defRPr sz="1800" kern="1200">
-                <a:solidFill>
-                  <a:schemeClr val="dk1"/>
-                </a:solidFill>
-                <a:latin typeface="+mn-lt"/>
-                <a:ea typeface="+mn-ea"/>
-                <a:cs typeface="+mn-cs"/>
-              </a:defRPr>
-            </a:lvl9pPr>
-          </a:lstStyle>
-          <a:p>
-            <a:r>
-              <a:rPr lang="en-US" altLang="ko-KR" sz="1600" dirty="0" smtClean="0">
-                <a:latin typeface="Century Gothic" panose="020B0502020202020204" pitchFamily="34" charset="0"/>
-              </a:rPr>
-              <a:t>7</a:t>
-            </a:r>
-            <a:endParaRPr lang="ko-KR" altLang="en-US" sz="1600" dirty="0">
-              <a:latin typeface="Century Gothic" panose="020B0502020202020204" pitchFamily="34" charset="0"/>
-            </a:endParaRPr>
-          </a:p>
-        </p:txBody>
-      </p:sp>
-      <p:sp>
-        <p:nvSpPr>
-          <p:cNvPr id="117" name="직사각형 116"/>
-          <p:cNvSpPr/>
-          <p:nvPr/>
-        </p:nvSpPr>
-        <p:spPr>
-          <a:xfrm>
-            <a:off x="3045490" y="1196752"/>
-            <a:ext cx="2607674" cy="339861"/>
-          </a:xfrm>
-          <a:prstGeom prst="rect">
-            <a:avLst/>
-          </a:prstGeom>
-          <a:ln w="3175"/>
-        </p:spPr>
-        <p:style>
-          <a:lnRef idx="2">
-            <a:schemeClr val="accent4"/>
-          </a:lnRef>
-          <a:fillRef idx="1">
-            <a:schemeClr val="lt1"/>
-          </a:fillRef>
-          <a:effectRef idx="0">
-            <a:schemeClr val="accent4"/>
-          </a:effectRef>
-          <a:fontRef idx="minor">
-            <a:schemeClr val="dk1"/>
-          </a:fontRef>
-        </p:style>
-        <p:txBody>
-          <a:bodyPr wrap="square">
-            <a:spAutoFit/>
-          </a:bodyPr>
-          <a:lstStyle>
-            <a:defPPr>
-              <a:defRPr lang="ko-KR"/>
-            </a:defPPr>
-            <a:lvl1pPr marL="0" algn="l" defTabSz="914400" rtl="0" eaLnBrk="1" latinLnBrk="1" hangingPunct="1">
-              <a:defRPr sz="1800" kern="1200">
-                <a:solidFill>
-                  <a:schemeClr val="dk1"/>
-                </a:solidFill>
-                <a:latin typeface="+mn-lt"/>
-                <a:ea typeface="+mn-ea"/>
-                <a:cs typeface="+mn-cs"/>
-              </a:defRPr>
-            </a:lvl1pPr>
-            <a:lvl2pPr marL="457200" algn="l" defTabSz="914400" rtl="0" eaLnBrk="1" latinLnBrk="1" hangingPunct="1">
-              <a:defRPr sz="1800" kern="1200">
-                <a:solidFill>
-                  <a:schemeClr val="dk1"/>
-                </a:solidFill>
-                <a:latin typeface="+mn-lt"/>
-                <a:ea typeface="+mn-ea"/>
-                <a:cs typeface="+mn-cs"/>
-              </a:defRPr>
-            </a:lvl2pPr>
-            <a:lvl3pPr marL="914400" algn="l" defTabSz="914400" rtl="0" eaLnBrk="1" latinLnBrk="1" hangingPunct="1">
-              <a:defRPr sz="1800" kern="1200">
-                <a:solidFill>
-                  <a:schemeClr val="dk1"/>
-                </a:solidFill>
-                <a:latin typeface="+mn-lt"/>
-                <a:ea typeface="+mn-ea"/>
-                <a:cs typeface="+mn-cs"/>
-              </a:defRPr>
-            </a:lvl3pPr>
-            <a:lvl4pPr marL="1371600" algn="l" defTabSz="914400" rtl="0" eaLnBrk="1" latinLnBrk="1" hangingPunct="1">
-              <a:defRPr sz="1800" kern="1200">
-                <a:solidFill>
-                  <a:schemeClr val="dk1"/>
-                </a:solidFill>
-                <a:latin typeface="+mn-lt"/>
-                <a:ea typeface="+mn-ea"/>
-                <a:cs typeface="+mn-cs"/>
-              </a:defRPr>
-            </a:lvl4pPr>
-            <a:lvl5pPr marL="1828800" algn="l" defTabSz="914400" rtl="0" eaLnBrk="1" latinLnBrk="1" hangingPunct="1">
-              <a:defRPr sz="1800" kern="1200">
-                <a:solidFill>
-                  <a:schemeClr val="dk1"/>
-                </a:solidFill>
-                <a:latin typeface="+mn-lt"/>
-                <a:ea typeface="+mn-ea"/>
-                <a:cs typeface="+mn-cs"/>
-              </a:defRPr>
-            </a:lvl5pPr>
-            <a:lvl6pPr marL="2286000" algn="l" defTabSz="914400" rtl="0" eaLnBrk="1" latinLnBrk="1" hangingPunct="1">
-              <a:defRPr sz="1800" kern="1200">
-                <a:solidFill>
-                  <a:schemeClr val="dk1"/>
-                </a:solidFill>
-                <a:latin typeface="+mn-lt"/>
-                <a:ea typeface="+mn-ea"/>
-                <a:cs typeface="+mn-cs"/>
-              </a:defRPr>
-            </a:lvl6pPr>
-            <a:lvl7pPr marL="2743200" algn="l" defTabSz="914400" rtl="0" eaLnBrk="1" latinLnBrk="1" hangingPunct="1">
-              <a:defRPr sz="1800" kern="1200">
-                <a:solidFill>
-                  <a:schemeClr val="dk1"/>
-                </a:solidFill>
-                <a:latin typeface="+mn-lt"/>
-                <a:ea typeface="+mn-ea"/>
-                <a:cs typeface="+mn-cs"/>
-              </a:defRPr>
-            </a:lvl7pPr>
-            <a:lvl8pPr marL="3200400" algn="l" defTabSz="914400" rtl="0" eaLnBrk="1" latinLnBrk="1" hangingPunct="1">
-              <a:defRPr sz="1800" kern="1200">
-                <a:solidFill>
-                  <a:schemeClr val="dk1"/>
-                </a:solidFill>
-                <a:latin typeface="+mn-lt"/>
-                <a:ea typeface="+mn-ea"/>
-                <a:cs typeface="+mn-cs"/>
-              </a:defRPr>
-            </a:lvl8pPr>
-            <a:lvl9pPr marL="3657600" algn="l" defTabSz="914400" rtl="0" eaLnBrk="1" latinLnBrk="1" hangingPunct="1">
-              <a:defRPr sz="1800" kern="1200">
-                <a:solidFill>
-                  <a:schemeClr val="dk1"/>
-                </a:solidFill>
-                <a:latin typeface="+mn-lt"/>
-                <a:ea typeface="+mn-ea"/>
-                <a:cs typeface="+mn-cs"/>
-              </a:defRPr>
-            </a:lvl9pPr>
-          </a:lstStyle>
-          <a:p>
-            <a:r>
-              <a:rPr lang="en-US" altLang="ko-KR" sz="1600" smtClean="0"/>
-              <a:t>G C B D A F E</a:t>
-            </a:r>
-            <a:r>
-              <a:rPr lang="en-US" altLang="ko-KR" sz="1600" smtClean="0"/>
-              <a:t> </a:t>
-            </a:r>
-            <a:endParaRPr lang="ko-KR" altLang="en-US" sz="1600" dirty="0">
-              <a:latin typeface="Century Gothic" panose="020B0502020202020204" pitchFamily="34" charset="0"/>
-            </a:endParaRPr>
-          </a:p>
-        </p:txBody>
-      </p:sp>
-      <p:sp>
-        <p:nvSpPr>
-          <p:cNvPr id="118" name="직사각형 117"/>
-          <p:cNvSpPr/>
-          <p:nvPr/>
-        </p:nvSpPr>
-        <p:spPr>
-          <a:xfrm>
-            <a:off x="3045490" y="1573319"/>
-            <a:ext cx="2607673" cy="338554"/>
-          </a:xfrm>
-          <a:prstGeom prst="rect">
-            <a:avLst/>
-          </a:prstGeom>
-          <a:ln w="3175"/>
-        </p:spPr>
-        <p:style>
-          <a:lnRef idx="2">
-            <a:schemeClr val="accent4"/>
-          </a:lnRef>
-          <a:fillRef idx="1">
-            <a:schemeClr val="lt1"/>
-          </a:fillRef>
-          <a:effectRef idx="0">
-            <a:schemeClr val="accent4"/>
-          </a:effectRef>
-          <a:fontRef idx="minor">
-            <a:schemeClr val="dk1"/>
-          </a:fontRef>
-        </p:style>
-        <p:txBody>
-          <a:bodyPr wrap="square">
-            <a:spAutoFit/>
-          </a:bodyPr>
-          <a:lstStyle>
-            <a:defPPr>
-              <a:defRPr lang="ko-KR"/>
-            </a:defPPr>
-            <a:lvl1pPr marL="0" algn="l" defTabSz="914400" rtl="0" eaLnBrk="1" latinLnBrk="1" hangingPunct="1">
-              <a:defRPr sz="1800" kern="1200">
-                <a:solidFill>
-                  <a:schemeClr val="dk1"/>
-                </a:solidFill>
-                <a:latin typeface="+mn-lt"/>
-                <a:ea typeface="+mn-ea"/>
-                <a:cs typeface="+mn-cs"/>
-              </a:defRPr>
-            </a:lvl1pPr>
-            <a:lvl2pPr marL="457200" algn="l" defTabSz="914400" rtl="0" eaLnBrk="1" latinLnBrk="1" hangingPunct="1">
-              <a:defRPr sz="1800" kern="1200">
-                <a:solidFill>
-                  <a:schemeClr val="dk1"/>
-                </a:solidFill>
-                <a:latin typeface="+mn-lt"/>
-                <a:ea typeface="+mn-ea"/>
-                <a:cs typeface="+mn-cs"/>
-              </a:defRPr>
-            </a:lvl2pPr>
-            <a:lvl3pPr marL="914400" algn="l" defTabSz="914400" rtl="0" eaLnBrk="1" latinLnBrk="1" hangingPunct="1">
-              <a:defRPr sz="1800" kern="1200">
-                <a:solidFill>
-                  <a:schemeClr val="dk1"/>
-                </a:solidFill>
-                <a:latin typeface="+mn-lt"/>
-                <a:ea typeface="+mn-ea"/>
-                <a:cs typeface="+mn-cs"/>
-              </a:defRPr>
-            </a:lvl3pPr>
-            <a:lvl4pPr marL="1371600" algn="l" defTabSz="914400" rtl="0" eaLnBrk="1" latinLnBrk="1" hangingPunct="1">
-              <a:defRPr sz="1800" kern="1200">
-                <a:solidFill>
-                  <a:schemeClr val="dk1"/>
-                </a:solidFill>
-                <a:latin typeface="+mn-lt"/>
-                <a:ea typeface="+mn-ea"/>
-                <a:cs typeface="+mn-cs"/>
-              </a:defRPr>
-            </a:lvl4pPr>
-            <a:lvl5pPr marL="1828800" algn="l" defTabSz="914400" rtl="0" eaLnBrk="1" latinLnBrk="1" hangingPunct="1">
-              <a:defRPr sz="1800" kern="1200">
-                <a:solidFill>
-                  <a:schemeClr val="dk1"/>
-                </a:solidFill>
-                <a:latin typeface="+mn-lt"/>
-                <a:ea typeface="+mn-ea"/>
-                <a:cs typeface="+mn-cs"/>
-              </a:defRPr>
-            </a:lvl5pPr>
-            <a:lvl6pPr marL="2286000" algn="l" defTabSz="914400" rtl="0" eaLnBrk="1" latinLnBrk="1" hangingPunct="1">
-              <a:defRPr sz="1800" kern="1200">
-                <a:solidFill>
-                  <a:schemeClr val="dk1"/>
-                </a:solidFill>
-                <a:latin typeface="+mn-lt"/>
-                <a:ea typeface="+mn-ea"/>
-                <a:cs typeface="+mn-cs"/>
-              </a:defRPr>
-            </a:lvl6pPr>
-            <a:lvl7pPr marL="2743200" algn="l" defTabSz="914400" rtl="0" eaLnBrk="1" latinLnBrk="1" hangingPunct="1">
-              <a:defRPr sz="1800" kern="1200">
-                <a:solidFill>
-                  <a:schemeClr val="dk1"/>
-                </a:solidFill>
-                <a:latin typeface="+mn-lt"/>
-                <a:ea typeface="+mn-ea"/>
-                <a:cs typeface="+mn-cs"/>
-              </a:defRPr>
-            </a:lvl7pPr>
-            <a:lvl8pPr marL="3200400" algn="l" defTabSz="914400" rtl="0" eaLnBrk="1" latinLnBrk="1" hangingPunct="1">
-              <a:defRPr sz="1800" kern="1200">
-                <a:solidFill>
-                  <a:schemeClr val="dk1"/>
-                </a:solidFill>
-                <a:latin typeface="+mn-lt"/>
-                <a:ea typeface="+mn-ea"/>
-                <a:cs typeface="+mn-cs"/>
-              </a:defRPr>
-            </a:lvl8pPr>
-            <a:lvl9pPr marL="3657600" algn="l" defTabSz="914400" rtl="0" eaLnBrk="1" latinLnBrk="1" hangingPunct="1">
-              <a:defRPr sz="1800" kern="1200">
-                <a:solidFill>
-                  <a:schemeClr val="dk1"/>
-                </a:solidFill>
-                <a:latin typeface="+mn-lt"/>
-                <a:ea typeface="+mn-ea"/>
-                <a:cs typeface="+mn-cs"/>
-              </a:defRPr>
-            </a:lvl9pPr>
-          </a:lstStyle>
-          <a:p>
-            <a:r>
-              <a:rPr lang="en-US" altLang="ko-KR" sz="1600" smtClean="0"/>
-              <a:t>G C B D A F E</a:t>
-            </a:r>
-            <a:r>
-              <a:rPr lang="en-US" altLang="ko-KR" sz="1600" smtClean="0"/>
-              <a:t> </a:t>
-            </a:r>
-            <a:endParaRPr lang="ko-KR" altLang="en-US" sz="1600" dirty="0">
-              <a:latin typeface="Century Gothic" panose="020B0502020202020204" pitchFamily="34" charset="0"/>
-            </a:endParaRPr>
-          </a:p>
-        </p:txBody>
-      </p:sp>
-      <p:sp>
-        <p:nvSpPr>
-          <p:cNvPr id="119" name="직사각형 118"/>
-          <p:cNvSpPr/>
-          <p:nvPr/>
-        </p:nvSpPr>
-        <p:spPr>
-          <a:xfrm>
-            <a:off x="3052621" y="1927941"/>
-            <a:ext cx="2616133" cy="338554"/>
-          </a:xfrm>
-          <a:prstGeom prst="rect">
-            <a:avLst/>
-          </a:prstGeom>
-          <a:ln w="3175"/>
-        </p:spPr>
-        <p:style>
-          <a:lnRef idx="2">
-            <a:schemeClr val="accent4"/>
-          </a:lnRef>
-          <a:fillRef idx="1">
-            <a:schemeClr val="lt1"/>
-          </a:fillRef>
-          <a:effectRef idx="0">
-            <a:schemeClr val="accent4"/>
-          </a:effectRef>
-          <a:fontRef idx="minor">
-            <a:schemeClr val="dk1"/>
-          </a:fontRef>
-        </p:style>
-        <p:txBody>
-          <a:bodyPr wrap="square">
-            <a:spAutoFit/>
-          </a:bodyPr>
-          <a:lstStyle>
-            <a:defPPr>
-              <a:defRPr lang="ko-KR"/>
-            </a:defPPr>
-            <a:lvl1pPr marL="0" algn="l" defTabSz="914400" rtl="0" eaLnBrk="1" latinLnBrk="1" hangingPunct="1">
-              <a:defRPr sz="1800" kern="1200">
-                <a:solidFill>
-                  <a:schemeClr val="dk1"/>
-                </a:solidFill>
-                <a:latin typeface="+mn-lt"/>
-                <a:ea typeface="+mn-ea"/>
-                <a:cs typeface="+mn-cs"/>
-              </a:defRPr>
-            </a:lvl1pPr>
-            <a:lvl2pPr marL="457200" algn="l" defTabSz="914400" rtl="0" eaLnBrk="1" latinLnBrk="1" hangingPunct="1">
-              <a:defRPr sz="1800" kern="1200">
-                <a:solidFill>
-                  <a:schemeClr val="dk1"/>
-                </a:solidFill>
-                <a:latin typeface="+mn-lt"/>
-                <a:ea typeface="+mn-ea"/>
-                <a:cs typeface="+mn-cs"/>
-              </a:defRPr>
-            </a:lvl2pPr>
-            <a:lvl3pPr marL="914400" algn="l" defTabSz="914400" rtl="0" eaLnBrk="1" latinLnBrk="1" hangingPunct="1">
-              <a:defRPr sz="1800" kern="1200">
-                <a:solidFill>
-                  <a:schemeClr val="dk1"/>
-                </a:solidFill>
-                <a:latin typeface="+mn-lt"/>
-                <a:ea typeface="+mn-ea"/>
-                <a:cs typeface="+mn-cs"/>
-              </a:defRPr>
-            </a:lvl3pPr>
-            <a:lvl4pPr marL="1371600" algn="l" defTabSz="914400" rtl="0" eaLnBrk="1" latinLnBrk="1" hangingPunct="1">
-              <a:defRPr sz="1800" kern="1200">
-                <a:solidFill>
-                  <a:schemeClr val="dk1"/>
-                </a:solidFill>
-                <a:latin typeface="+mn-lt"/>
-                <a:ea typeface="+mn-ea"/>
-                <a:cs typeface="+mn-cs"/>
-              </a:defRPr>
-            </a:lvl4pPr>
-            <a:lvl5pPr marL="1828800" algn="l" defTabSz="914400" rtl="0" eaLnBrk="1" latinLnBrk="1" hangingPunct="1">
-              <a:defRPr sz="1800" kern="1200">
-                <a:solidFill>
-                  <a:schemeClr val="dk1"/>
-                </a:solidFill>
-                <a:latin typeface="+mn-lt"/>
-                <a:ea typeface="+mn-ea"/>
-                <a:cs typeface="+mn-cs"/>
-              </a:defRPr>
-            </a:lvl5pPr>
-            <a:lvl6pPr marL="2286000" algn="l" defTabSz="914400" rtl="0" eaLnBrk="1" latinLnBrk="1" hangingPunct="1">
-              <a:defRPr sz="1800" kern="1200">
-                <a:solidFill>
-                  <a:schemeClr val="dk1"/>
-                </a:solidFill>
-                <a:latin typeface="+mn-lt"/>
-                <a:ea typeface="+mn-ea"/>
-                <a:cs typeface="+mn-cs"/>
-              </a:defRPr>
-            </a:lvl6pPr>
-            <a:lvl7pPr marL="2743200" algn="l" defTabSz="914400" rtl="0" eaLnBrk="1" latinLnBrk="1" hangingPunct="1">
-              <a:defRPr sz="1800" kern="1200">
-                <a:solidFill>
-                  <a:schemeClr val="dk1"/>
-                </a:solidFill>
-                <a:latin typeface="+mn-lt"/>
-                <a:ea typeface="+mn-ea"/>
-                <a:cs typeface="+mn-cs"/>
-              </a:defRPr>
-            </a:lvl7pPr>
-            <a:lvl8pPr marL="3200400" algn="l" defTabSz="914400" rtl="0" eaLnBrk="1" latinLnBrk="1" hangingPunct="1">
-              <a:defRPr sz="1800" kern="1200">
-                <a:solidFill>
-                  <a:schemeClr val="dk1"/>
-                </a:solidFill>
-                <a:latin typeface="+mn-lt"/>
-                <a:ea typeface="+mn-ea"/>
-                <a:cs typeface="+mn-cs"/>
-              </a:defRPr>
-            </a:lvl8pPr>
-            <a:lvl9pPr marL="3657600" algn="l" defTabSz="914400" rtl="0" eaLnBrk="1" latinLnBrk="1" hangingPunct="1">
-              <a:defRPr sz="1800" kern="1200">
-                <a:solidFill>
-                  <a:schemeClr val="dk1"/>
-                </a:solidFill>
-                <a:latin typeface="+mn-lt"/>
-                <a:ea typeface="+mn-ea"/>
-                <a:cs typeface="+mn-cs"/>
-              </a:defRPr>
-            </a:lvl9pPr>
-          </a:lstStyle>
-          <a:p>
-            <a:r>
-              <a:rPr lang="en-US" altLang="ko-KR" sz="1600" smtClean="0"/>
-              <a:t>G C D B F E A</a:t>
-            </a:r>
-            <a:r>
-              <a:rPr lang="en-US" altLang="ko-KR" sz="1600" smtClean="0"/>
-              <a:t> </a:t>
-            </a:r>
-            <a:endParaRPr lang="ko-KR" altLang="en-US" sz="1600" dirty="0">
-              <a:latin typeface="Century Gothic" panose="020B0502020202020204" pitchFamily="34" charset="0"/>
-            </a:endParaRPr>
-          </a:p>
-        </p:txBody>
-      </p:sp>
-    </p:spTree>
-    <p:extLst>
-      <p:ext uri="{BB962C8B-B14F-4D97-AF65-F5344CB8AC3E}">
-        <p14:creationId xmlns:p14="http://schemas.microsoft.com/office/powerpoint/2010/main" val="3412147392"/>
-      </p:ext>
-    </p:extLst>
-  </p:cSld>
-  <p:clrMapOvr>
-    <a:masterClrMapping/>
-  </p:clrMapOvr>
-</p:sld>
-</file>
-
-<file path=ppt/slides/slide4.xml><?xml version="1.0" encoding="utf-8"?>
-<p:sld xmlns:a="http://schemas.openxmlformats.org/drawingml/2006/main" xmlns:r="http://schemas.openxmlformats.org/officeDocument/2006/relationships" xmlns:p="http://schemas.openxmlformats.org/presentationml/2006/main">
-  <p:cSld>
-    <p:spTree>
-      <p:nvGrpSpPr>
-        <p:cNvPr id="1" name=""/>
-        <p:cNvGrpSpPr/>
-        <p:nvPr/>
-      </p:nvGrpSpPr>
-      <p:grpSpPr>
-        <a:xfrm>
-          <a:off x="0" y="0"/>
-          <a:ext cx="0" cy="0"/>
-          <a:chOff x="0" y="0"/>
-          <a:chExt cx="0" cy="0"/>
-        </a:xfrm>
-      </p:grpSpPr>
-      <p:sp>
-        <p:nvSpPr>
-          <p:cNvPr id="2" name="슬라이드 번호 개체 틀 1"/>
-          <p:cNvSpPr>
-            <a:spLocks noGrp="1"/>
-          </p:cNvSpPr>
-          <p:nvPr>
-            <p:ph type="sldNum" sz="quarter" idx="12"/>
-          </p:nvPr>
-        </p:nvSpPr>
-        <p:spPr/>
-        <p:txBody>
-          <a:bodyPr/>
-          <a:lstStyle/>
-          <a:p>
-            <a:fld id="{9085FD98-BA4B-4537-9251-5519BF532862}" type="slidenum">
-              <a:rPr lang="ko-KR" altLang="en-US" smtClean="0"/>
-              <a:t>4</a:t>
-            </a:fld>
-            <a:endParaRPr lang="ko-KR" altLang="en-US" dirty="0"/>
-          </a:p>
-        </p:txBody>
-      </p:sp>
-      <p:grpSp>
-        <p:nvGrpSpPr>
-          <p:cNvPr id="3" name="그룹 2"/>
-          <p:cNvGrpSpPr/>
-          <p:nvPr/>
-        </p:nvGrpSpPr>
-        <p:grpSpPr>
-          <a:xfrm>
-            <a:off x="1991544" y="3067589"/>
-            <a:ext cx="3084079" cy="2374950"/>
-            <a:chOff x="4522462" y="2879354"/>
-            <a:chExt cx="3084079" cy="2374950"/>
-          </a:xfrm>
-        </p:grpSpPr>
-        <p:sp>
-          <p:nvSpPr>
-            <p:cNvPr id="4" name="타원 3"/>
-            <p:cNvSpPr/>
-            <p:nvPr/>
-          </p:nvSpPr>
-          <p:spPr>
-            <a:xfrm>
-              <a:off x="5508687" y="3527426"/>
-              <a:ext cx="432048" cy="430734"/>
-            </a:xfrm>
-            <a:prstGeom prst="ellipse">
-              <a:avLst/>
-            </a:prstGeom>
-            <a:ln>
-              <a:solidFill>
-                <a:schemeClr val="tx1"/>
-              </a:solidFill>
-            </a:ln>
-          </p:spPr>
-          <p:style>
-            <a:lnRef idx="2">
-              <a:schemeClr val="accent4"/>
-            </a:lnRef>
-            <a:fillRef idx="1">
-              <a:schemeClr val="lt1"/>
-            </a:fillRef>
-            <a:effectRef idx="0">
-              <a:schemeClr val="accent4"/>
-            </a:effectRef>
-            <a:fontRef idx="minor">
-              <a:schemeClr val="dk1"/>
-            </a:fontRef>
-          </p:style>
-          <p:txBody>
-            <a:bodyPr rtlCol="0" anchor="ctr"/>
-            <a:lstStyle/>
-            <a:p>
-              <a:pPr algn="ctr"/>
-              <a:r>
-                <a:rPr lang="en-US" altLang="ko-KR" smtClean="0">
-                  <a:latin typeface="Century Gothic" panose="020B0502020202020204" pitchFamily="34" charset="0"/>
-                </a:rPr>
-                <a:t>B</a:t>
-              </a:r>
-              <a:endParaRPr lang="ko-KR" altLang="en-US" dirty="0">
-                <a:latin typeface="Century Gothic" panose="020B0502020202020204" pitchFamily="34" charset="0"/>
-              </a:endParaRPr>
-            </a:p>
-          </p:txBody>
-        </p:sp>
-        <p:sp>
-          <p:nvSpPr>
-            <p:cNvPr id="5" name="타원 4"/>
-            <p:cNvSpPr/>
-            <p:nvPr/>
-          </p:nvSpPr>
-          <p:spPr>
-            <a:xfrm>
-              <a:off x="7174493" y="3574291"/>
-              <a:ext cx="432048" cy="430734"/>
-            </a:xfrm>
-            <a:prstGeom prst="ellipse">
-              <a:avLst/>
-            </a:prstGeom>
-            <a:ln>
-              <a:solidFill>
-                <a:schemeClr val="tx1"/>
-              </a:solidFill>
-            </a:ln>
-          </p:spPr>
-          <p:style>
-            <a:lnRef idx="2">
-              <a:schemeClr val="accent4"/>
-            </a:lnRef>
-            <a:fillRef idx="1">
-              <a:schemeClr val="lt1"/>
-            </a:fillRef>
-            <a:effectRef idx="0">
-              <a:schemeClr val="accent4"/>
-            </a:effectRef>
-            <a:fontRef idx="minor">
-              <a:schemeClr val="dk1"/>
-            </a:fontRef>
-          </p:style>
-          <p:txBody>
-            <a:bodyPr rtlCol="0" anchor="ctr"/>
-            <a:lstStyle/>
-            <a:p>
-              <a:pPr algn="ctr"/>
-              <a:r>
-                <a:rPr lang="en-US" altLang="ko-KR" smtClean="0">
-                  <a:latin typeface="Century Gothic" panose="020B0502020202020204" pitchFamily="34" charset="0"/>
-                </a:rPr>
-                <a:t>E</a:t>
-              </a:r>
-              <a:endParaRPr lang="ko-KR" altLang="en-US" dirty="0">
-                <a:latin typeface="Century Gothic" panose="020B0502020202020204" pitchFamily="34" charset="0"/>
-              </a:endParaRPr>
-            </a:p>
-          </p:txBody>
-        </p:sp>
-        <p:sp>
-          <p:nvSpPr>
-            <p:cNvPr id="6" name="타원 5"/>
-            <p:cNvSpPr/>
-            <p:nvPr/>
-          </p:nvSpPr>
-          <p:spPr>
-            <a:xfrm>
-              <a:off x="6364163" y="2879354"/>
-              <a:ext cx="432048" cy="430734"/>
-            </a:xfrm>
-            <a:prstGeom prst="ellipse">
-              <a:avLst/>
-            </a:prstGeom>
-            <a:ln>
-              <a:solidFill>
-                <a:schemeClr val="tx1"/>
-              </a:solidFill>
-            </a:ln>
-          </p:spPr>
-          <p:style>
-            <a:lnRef idx="2">
-              <a:schemeClr val="accent4"/>
-            </a:lnRef>
-            <a:fillRef idx="1">
-              <a:schemeClr val="lt1"/>
-            </a:fillRef>
-            <a:effectRef idx="0">
-              <a:schemeClr val="accent4"/>
-            </a:effectRef>
-            <a:fontRef idx="minor">
-              <a:schemeClr val="dk1"/>
-            </a:fontRef>
-          </p:style>
-          <p:txBody>
-            <a:bodyPr rtlCol="0" anchor="ctr"/>
-            <a:lstStyle/>
-            <a:p>
-              <a:pPr algn="ctr"/>
-              <a:r>
-                <a:rPr lang="en-US" altLang="ko-KR" smtClean="0">
-                  <a:latin typeface="Century Gothic" panose="020B0502020202020204" pitchFamily="34" charset="0"/>
-                </a:rPr>
-                <a:t>A</a:t>
-              </a:r>
-              <a:endParaRPr lang="ko-KR" altLang="en-US" dirty="0">
-                <a:latin typeface="Century Gothic" panose="020B0502020202020204" pitchFamily="34" charset="0"/>
-              </a:endParaRPr>
-            </a:p>
-          </p:txBody>
-        </p:sp>
-        <p:sp>
-          <p:nvSpPr>
-            <p:cNvPr id="7" name="타원 6"/>
-            <p:cNvSpPr/>
-            <p:nvPr/>
-          </p:nvSpPr>
-          <p:spPr>
-            <a:xfrm>
-              <a:off x="5962823" y="4175498"/>
-              <a:ext cx="432048" cy="430734"/>
-            </a:xfrm>
-            <a:prstGeom prst="ellipse">
-              <a:avLst/>
-            </a:prstGeom>
-            <a:ln>
-              <a:solidFill>
-                <a:schemeClr val="tx1"/>
-              </a:solidFill>
-            </a:ln>
-          </p:spPr>
-          <p:style>
-            <a:lnRef idx="2">
-              <a:schemeClr val="accent4"/>
-            </a:lnRef>
-            <a:fillRef idx="1">
-              <a:schemeClr val="lt1"/>
-            </a:fillRef>
-            <a:effectRef idx="0">
-              <a:schemeClr val="accent4"/>
-            </a:effectRef>
-            <a:fontRef idx="minor">
-              <a:schemeClr val="dk1"/>
-            </a:fontRef>
-          </p:style>
-          <p:txBody>
-            <a:bodyPr rtlCol="0" anchor="ctr"/>
-            <a:lstStyle/>
-            <a:p>
-              <a:pPr algn="ctr"/>
-              <a:r>
-                <a:rPr lang="en-US" altLang="ko-KR" smtClean="0">
-                  <a:latin typeface="Century Gothic" panose="020B0502020202020204" pitchFamily="34" charset="0"/>
-                </a:rPr>
-                <a:t>D</a:t>
-              </a:r>
-              <a:endParaRPr lang="ko-KR" altLang="en-US" dirty="0">
-                <a:latin typeface="Century Gothic" panose="020B0502020202020204" pitchFamily="34" charset="0"/>
-              </a:endParaRPr>
-            </a:p>
-          </p:txBody>
-        </p:sp>
-        <p:sp>
-          <p:nvSpPr>
-            <p:cNvPr id="8" name="타원 7"/>
-            <p:cNvSpPr/>
-            <p:nvPr/>
-          </p:nvSpPr>
-          <p:spPr>
-            <a:xfrm>
-              <a:off x="6617321" y="4160377"/>
-              <a:ext cx="432048" cy="430734"/>
-            </a:xfrm>
-            <a:prstGeom prst="ellipse">
-              <a:avLst/>
-            </a:prstGeom>
-            <a:ln>
-              <a:solidFill>
-                <a:schemeClr val="tx1"/>
-              </a:solidFill>
-            </a:ln>
-          </p:spPr>
-          <p:style>
-            <a:lnRef idx="2">
-              <a:schemeClr val="accent4"/>
-            </a:lnRef>
-            <a:fillRef idx="1">
-              <a:schemeClr val="lt1"/>
-            </a:fillRef>
-            <a:effectRef idx="0">
-              <a:schemeClr val="accent4"/>
-            </a:effectRef>
-            <a:fontRef idx="minor">
-              <a:schemeClr val="dk1"/>
-            </a:fontRef>
-          </p:style>
-          <p:txBody>
-            <a:bodyPr rtlCol="0" anchor="ctr"/>
-            <a:lstStyle/>
-            <a:p>
-              <a:pPr algn="ctr"/>
-              <a:r>
-                <a:rPr lang="en-US" altLang="ko-KR" smtClean="0">
-                  <a:latin typeface="Century Gothic" panose="020B0502020202020204" pitchFamily="34" charset="0"/>
-                </a:rPr>
-                <a:t>F</a:t>
-              </a:r>
-              <a:endParaRPr lang="ko-KR" altLang="en-US" dirty="0">
-                <a:latin typeface="Century Gothic" panose="020B0502020202020204" pitchFamily="34" charset="0"/>
-              </a:endParaRPr>
-            </a:p>
-          </p:txBody>
-        </p:sp>
-        <p:sp>
-          <p:nvSpPr>
-            <p:cNvPr id="9" name="타원 8"/>
-            <p:cNvSpPr/>
-            <p:nvPr/>
-          </p:nvSpPr>
-          <p:spPr>
-            <a:xfrm>
-              <a:off x="4522462" y="4823570"/>
-              <a:ext cx="432048" cy="430734"/>
-            </a:xfrm>
-            <a:prstGeom prst="ellipse">
-              <a:avLst/>
-            </a:prstGeom>
-            <a:ln>
-              <a:solidFill>
-                <a:schemeClr val="tx1"/>
-              </a:solidFill>
-            </a:ln>
-          </p:spPr>
-          <p:style>
-            <a:lnRef idx="2">
-              <a:schemeClr val="accent4"/>
-            </a:lnRef>
-            <a:fillRef idx="1">
-              <a:schemeClr val="lt1"/>
-            </a:fillRef>
-            <a:effectRef idx="0">
-              <a:schemeClr val="accent4"/>
-            </a:effectRef>
-            <a:fontRef idx="minor">
-              <a:schemeClr val="dk1"/>
-            </a:fontRef>
-          </p:style>
-          <p:txBody>
-            <a:bodyPr rtlCol="0" anchor="ctr"/>
-            <a:lstStyle/>
-            <a:p>
-              <a:pPr algn="ctr"/>
-              <a:r>
-                <a:rPr lang="en-US" altLang="ko-KR" smtClean="0">
-                  <a:latin typeface="Century Gothic" panose="020B0502020202020204" pitchFamily="34" charset="0"/>
-                </a:rPr>
-                <a:t>G</a:t>
-              </a:r>
-              <a:endParaRPr lang="ko-KR" altLang="en-US" dirty="0">
-                <a:latin typeface="Century Gothic" panose="020B0502020202020204" pitchFamily="34" charset="0"/>
-              </a:endParaRPr>
-            </a:p>
-          </p:txBody>
-        </p:sp>
-        <p:sp>
-          <p:nvSpPr>
-            <p:cNvPr id="10" name="타원 9"/>
-            <p:cNvSpPr/>
-            <p:nvPr/>
-          </p:nvSpPr>
-          <p:spPr>
-            <a:xfrm>
-              <a:off x="5003732" y="4175135"/>
-              <a:ext cx="432048" cy="430734"/>
-            </a:xfrm>
-            <a:prstGeom prst="ellipse">
-              <a:avLst/>
-            </a:prstGeom>
-            <a:ln>
-              <a:solidFill>
-                <a:schemeClr val="tx1"/>
-              </a:solidFill>
-            </a:ln>
-          </p:spPr>
-          <p:style>
-            <a:lnRef idx="2">
-              <a:schemeClr val="accent4"/>
-            </a:lnRef>
-            <a:fillRef idx="1">
-              <a:schemeClr val="lt1"/>
-            </a:fillRef>
-            <a:effectRef idx="0">
-              <a:schemeClr val="accent4"/>
-            </a:effectRef>
-            <a:fontRef idx="minor">
-              <a:schemeClr val="dk1"/>
-            </a:fontRef>
-          </p:style>
-          <p:txBody>
-            <a:bodyPr rtlCol="0" anchor="ctr"/>
-            <a:lstStyle/>
-            <a:p>
-              <a:pPr algn="ctr"/>
-              <a:r>
-                <a:rPr lang="en-US" altLang="ko-KR" smtClean="0">
-                  <a:latin typeface="Century Gothic" panose="020B0502020202020204" pitchFamily="34" charset="0"/>
-                </a:rPr>
-                <a:t>C</a:t>
-              </a:r>
-              <a:endParaRPr lang="ko-KR" altLang="en-US" dirty="0">
-                <a:latin typeface="Century Gothic" panose="020B0502020202020204" pitchFamily="34" charset="0"/>
-              </a:endParaRPr>
-            </a:p>
-          </p:txBody>
-        </p:sp>
-        <p:cxnSp>
-          <p:nvCxnSpPr>
-            <p:cNvPr id="11" name="직선 화살표 연결선 10"/>
-            <p:cNvCxnSpPr/>
-            <p:nvPr/>
-          </p:nvCxnSpPr>
-          <p:spPr>
-            <a:xfrm flipH="1">
-              <a:off x="5895155" y="3159624"/>
-              <a:ext cx="452984" cy="441124"/>
-            </a:xfrm>
-            <a:prstGeom prst="straightConnector1">
-              <a:avLst/>
-            </a:prstGeom>
-            <a:ln w="19050">
-              <a:solidFill>
-                <a:schemeClr val="tx1"/>
-              </a:solidFill>
-              <a:tailEnd type="arrow"/>
-            </a:ln>
-          </p:spPr>
-          <p:style>
-            <a:lnRef idx="1">
-              <a:schemeClr val="accent1"/>
-            </a:lnRef>
-            <a:fillRef idx="0">
-              <a:schemeClr val="accent1"/>
-            </a:fillRef>
-            <a:effectRef idx="0">
-              <a:schemeClr val="accent1"/>
-            </a:effectRef>
-            <a:fontRef idx="minor">
-              <a:schemeClr val="tx1"/>
-            </a:fontRef>
-          </p:style>
-        </p:cxnSp>
-        <p:cxnSp>
-          <p:nvCxnSpPr>
-            <p:cNvPr id="12" name="직선 화살표 연결선 11"/>
-            <p:cNvCxnSpPr/>
-            <p:nvPr/>
-          </p:nvCxnSpPr>
-          <p:spPr>
-            <a:xfrm flipH="1">
-              <a:off x="5304023" y="3901703"/>
-              <a:ext cx="300292" cy="333476"/>
-            </a:xfrm>
-            <a:prstGeom prst="straightConnector1">
-              <a:avLst/>
-            </a:prstGeom>
-            <a:ln w="19050">
-              <a:solidFill>
-                <a:schemeClr val="tx1"/>
-              </a:solidFill>
-              <a:tailEnd type="arrow"/>
-            </a:ln>
-          </p:spPr>
-          <p:style>
-            <a:lnRef idx="1">
-              <a:schemeClr val="accent1"/>
-            </a:lnRef>
-            <a:fillRef idx="0">
-              <a:schemeClr val="accent1"/>
-            </a:fillRef>
-            <a:effectRef idx="0">
-              <a:schemeClr val="accent1"/>
-            </a:effectRef>
-            <a:fontRef idx="minor">
-              <a:schemeClr val="tx1"/>
-            </a:fontRef>
-          </p:style>
-        </p:cxnSp>
-        <p:cxnSp>
-          <p:nvCxnSpPr>
-            <p:cNvPr id="13" name="직선 화살표 연결선 12"/>
-            <p:cNvCxnSpPr/>
-            <p:nvPr/>
-          </p:nvCxnSpPr>
-          <p:spPr>
-            <a:xfrm>
-              <a:off x="5833321" y="3928457"/>
-              <a:ext cx="242516" cy="279968"/>
-            </a:xfrm>
-            <a:prstGeom prst="straightConnector1">
-              <a:avLst/>
-            </a:prstGeom>
-            <a:ln w="19050">
-              <a:solidFill>
-                <a:schemeClr val="tx1"/>
-              </a:solidFill>
-              <a:tailEnd type="arrow"/>
-            </a:ln>
-          </p:spPr>
-          <p:style>
-            <a:lnRef idx="1">
-              <a:schemeClr val="accent1"/>
-            </a:lnRef>
-            <a:fillRef idx="0">
-              <a:schemeClr val="accent1"/>
-            </a:fillRef>
-            <a:effectRef idx="0">
-              <a:schemeClr val="accent1"/>
-            </a:effectRef>
-            <a:fontRef idx="minor">
-              <a:schemeClr val="tx1"/>
-            </a:fontRef>
-          </p:style>
-        </p:cxnSp>
-        <p:cxnSp>
-          <p:nvCxnSpPr>
-            <p:cNvPr id="14" name="직선 화살표 연결선 13"/>
-            <p:cNvCxnSpPr/>
-            <p:nvPr/>
-          </p:nvCxnSpPr>
-          <p:spPr>
-            <a:xfrm flipH="1">
-              <a:off x="4831844" y="4559631"/>
-              <a:ext cx="240668" cy="313902"/>
-            </a:xfrm>
-            <a:prstGeom prst="straightConnector1">
-              <a:avLst/>
-            </a:prstGeom>
-            <a:ln w="19050">
-              <a:solidFill>
-                <a:schemeClr val="tx1"/>
-              </a:solidFill>
-              <a:tailEnd type="arrow"/>
-            </a:ln>
-          </p:spPr>
-          <p:style>
-            <a:lnRef idx="1">
-              <a:schemeClr val="accent1"/>
-            </a:lnRef>
-            <a:fillRef idx="0">
-              <a:schemeClr val="accent1"/>
-            </a:fillRef>
-            <a:effectRef idx="0">
-              <a:schemeClr val="accent1"/>
-            </a:effectRef>
-            <a:fontRef idx="minor">
-              <a:schemeClr val="tx1"/>
-            </a:fontRef>
-          </p:style>
-        </p:cxnSp>
-        <p:cxnSp>
-          <p:nvCxnSpPr>
-            <p:cNvPr id="15" name="직선 화살표 연결선 14"/>
-            <p:cNvCxnSpPr/>
-            <p:nvPr/>
-          </p:nvCxnSpPr>
-          <p:spPr>
-            <a:xfrm flipH="1">
-              <a:off x="6968554" y="3915111"/>
-              <a:ext cx="222724" cy="306660"/>
-            </a:xfrm>
-            <a:prstGeom prst="straightConnector1">
-              <a:avLst/>
-            </a:prstGeom>
-            <a:ln w="19050">
-              <a:solidFill>
-                <a:schemeClr val="tx1"/>
-              </a:solidFill>
-              <a:tailEnd type="arrow"/>
-            </a:ln>
-          </p:spPr>
-          <p:style>
-            <a:lnRef idx="1">
-              <a:schemeClr val="accent1"/>
-            </a:lnRef>
-            <a:fillRef idx="0">
-              <a:schemeClr val="accent1"/>
-            </a:fillRef>
-            <a:effectRef idx="0">
-              <a:schemeClr val="accent1"/>
-            </a:effectRef>
-            <a:fontRef idx="minor">
-              <a:schemeClr val="tx1"/>
-            </a:fontRef>
-          </p:style>
-        </p:cxnSp>
-        <p:cxnSp>
-          <p:nvCxnSpPr>
-            <p:cNvPr id="16" name="직선 화살표 연결선 15"/>
-            <p:cNvCxnSpPr/>
-            <p:nvPr/>
-          </p:nvCxnSpPr>
-          <p:spPr>
-            <a:xfrm>
-              <a:off x="6727613" y="3231632"/>
-              <a:ext cx="477533" cy="436586"/>
-            </a:xfrm>
-            <a:prstGeom prst="straightConnector1">
-              <a:avLst/>
-            </a:prstGeom>
-            <a:ln w="19050">
-              <a:solidFill>
-                <a:schemeClr val="tx1"/>
-              </a:solidFill>
-              <a:tailEnd type="arrow"/>
-            </a:ln>
-          </p:spPr>
-          <p:style>
-            <a:lnRef idx="1">
-              <a:schemeClr val="accent1"/>
-            </a:lnRef>
-            <a:fillRef idx="0">
-              <a:schemeClr val="accent1"/>
-            </a:fillRef>
-            <a:effectRef idx="0">
-              <a:schemeClr val="accent1"/>
-            </a:effectRef>
-            <a:fontRef idx="minor">
-              <a:schemeClr val="tx1"/>
-            </a:fontRef>
-          </p:style>
-        </p:cxnSp>
-      </p:grpSp>
-      <p:sp>
-        <p:nvSpPr>
-          <p:cNvPr id="18" name="타원 17"/>
-          <p:cNvSpPr/>
-          <p:nvPr/>
-        </p:nvSpPr>
-        <p:spPr>
-          <a:xfrm>
-            <a:off x="7277518" y="3653857"/>
-            <a:ext cx="432048" cy="430734"/>
-          </a:xfrm>
-          <a:prstGeom prst="ellipse">
-            <a:avLst/>
-          </a:prstGeom>
-          <a:ln>
-            <a:solidFill>
-              <a:schemeClr val="tx1"/>
-            </a:solidFill>
-          </a:ln>
-        </p:spPr>
-        <p:style>
-          <a:lnRef idx="2">
-            <a:schemeClr val="accent4"/>
-          </a:lnRef>
-          <a:fillRef idx="1">
-            <a:schemeClr val="lt1"/>
-          </a:fillRef>
-          <a:effectRef idx="0">
-            <a:schemeClr val="accent4"/>
-          </a:effectRef>
-          <a:fontRef idx="minor">
-            <a:schemeClr val="dk1"/>
-          </a:fontRef>
-        </p:style>
-        <p:txBody>
-          <a:bodyPr rtlCol="0" anchor="ctr"/>
-          <a:lstStyle/>
-          <a:p>
-            <a:pPr algn="ctr"/>
-            <a:r>
-              <a:rPr lang="en-US" altLang="ko-KR" smtClean="0">
-                <a:latin typeface="Century Gothic" panose="020B0502020202020204" pitchFamily="34" charset="0"/>
-              </a:rPr>
-              <a:t>B</a:t>
-            </a:r>
-            <a:endParaRPr lang="ko-KR" altLang="en-US" dirty="0">
-              <a:latin typeface="Century Gothic" panose="020B0502020202020204" pitchFamily="34" charset="0"/>
-            </a:endParaRPr>
-          </a:p>
-        </p:txBody>
-      </p:sp>
-      <p:sp>
-        <p:nvSpPr>
-          <p:cNvPr id="19" name="타원 18"/>
-          <p:cNvSpPr/>
-          <p:nvPr/>
-        </p:nvSpPr>
-        <p:spPr>
-          <a:xfrm>
-            <a:off x="8943324" y="3700722"/>
-            <a:ext cx="432048" cy="430734"/>
-          </a:xfrm>
-          <a:prstGeom prst="ellipse">
-            <a:avLst/>
-          </a:prstGeom>
-          <a:ln>
-            <a:solidFill>
-              <a:schemeClr val="tx1"/>
-            </a:solidFill>
-          </a:ln>
-        </p:spPr>
-        <p:style>
-          <a:lnRef idx="2">
-            <a:schemeClr val="accent4"/>
-          </a:lnRef>
-          <a:fillRef idx="1">
-            <a:schemeClr val="lt1"/>
-          </a:fillRef>
-          <a:effectRef idx="0">
-            <a:schemeClr val="accent4"/>
-          </a:effectRef>
-          <a:fontRef idx="minor">
-            <a:schemeClr val="dk1"/>
-          </a:fontRef>
-        </p:style>
-        <p:txBody>
-          <a:bodyPr rtlCol="0" anchor="ctr"/>
-          <a:lstStyle/>
-          <a:p>
-            <a:pPr algn="ctr"/>
-            <a:r>
-              <a:rPr lang="en-US" altLang="ko-KR">
-                <a:latin typeface="Century Gothic" panose="020B0502020202020204" pitchFamily="34" charset="0"/>
-              </a:rPr>
-              <a:t>D</a:t>
-            </a:r>
-            <a:endParaRPr lang="ko-KR" altLang="en-US" dirty="0">
-              <a:latin typeface="Century Gothic" panose="020B0502020202020204" pitchFamily="34" charset="0"/>
-            </a:endParaRPr>
-          </a:p>
-        </p:txBody>
-      </p:sp>
-      <p:sp>
-        <p:nvSpPr>
-          <p:cNvPr id="20" name="타원 19"/>
-          <p:cNvSpPr/>
-          <p:nvPr/>
-        </p:nvSpPr>
-        <p:spPr>
-          <a:xfrm>
-            <a:off x="8132994" y="3005785"/>
-            <a:ext cx="432048" cy="430734"/>
-          </a:xfrm>
-          <a:prstGeom prst="ellipse">
-            <a:avLst/>
-          </a:prstGeom>
-          <a:ln>
-            <a:solidFill>
-              <a:schemeClr val="tx1"/>
-            </a:solidFill>
-          </a:ln>
-        </p:spPr>
-        <p:style>
-          <a:lnRef idx="2">
-            <a:schemeClr val="accent4"/>
-          </a:lnRef>
-          <a:fillRef idx="1">
-            <a:schemeClr val="lt1"/>
-          </a:fillRef>
-          <a:effectRef idx="0">
-            <a:schemeClr val="accent4"/>
-          </a:effectRef>
-          <a:fontRef idx="minor">
-            <a:schemeClr val="dk1"/>
-          </a:fontRef>
-        </p:style>
-        <p:txBody>
-          <a:bodyPr rtlCol="0" anchor="ctr"/>
-          <a:lstStyle/>
-          <a:p>
-            <a:pPr algn="ctr"/>
-            <a:r>
-              <a:rPr lang="en-US" altLang="ko-KR" smtClean="0">
-                <a:latin typeface="Century Gothic" panose="020B0502020202020204" pitchFamily="34" charset="0"/>
-              </a:rPr>
-              <a:t>A</a:t>
-            </a:r>
-            <a:endParaRPr lang="ko-KR" altLang="en-US" dirty="0">
-              <a:latin typeface="Century Gothic" panose="020B0502020202020204" pitchFamily="34" charset="0"/>
-            </a:endParaRPr>
-          </a:p>
-        </p:txBody>
-      </p:sp>
-      <p:sp>
-        <p:nvSpPr>
-          <p:cNvPr id="21" name="타원 20"/>
-          <p:cNvSpPr/>
-          <p:nvPr/>
-        </p:nvSpPr>
-        <p:spPr>
-          <a:xfrm>
-            <a:off x="7731654" y="4301929"/>
-            <a:ext cx="432048" cy="430734"/>
-          </a:xfrm>
-          <a:prstGeom prst="ellipse">
-            <a:avLst/>
-          </a:prstGeom>
-          <a:ln>
-            <a:solidFill>
-              <a:schemeClr val="tx1"/>
-            </a:solidFill>
-          </a:ln>
-        </p:spPr>
-        <p:style>
-          <a:lnRef idx="2">
-            <a:schemeClr val="accent4"/>
-          </a:lnRef>
-          <a:fillRef idx="1">
-            <a:schemeClr val="lt1"/>
-          </a:fillRef>
-          <a:effectRef idx="0">
-            <a:schemeClr val="accent4"/>
-          </a:effectRef>
-          <a:fontRef idx="minor">
-            <a:schemeClr val="dk1"/>
-          </a:fontRef>
-        </p:style>
-        <p:txBody>
-          <a:bodyPr rtlCol="0" anchor="ctr"/>
-          <a:lstStyle/>
-          <a:p>
-            <a:pPr algn="ctr"/>
-            <a:r>
-              <a:rPr lang="en-US" altLang="ko-KR">
-                <a:latin typeface="Century Gothic" panose="020B0502020202020204" pitchFamily="34" charset="0"/>
-              </a:rPr>
-              <a:t>C</a:t>
-            </a:r>
-            <a:endParaRPr lang="ko-KR" altLang="en-US" dirty="0">
-              <a:latin typeface="Century Gothic" panose="020B0502020202020204" pitchFamily="34" charset="0"/>
-            </a:endParaRPr>
-          </a:p>
-        </p:txBody>
-      </p:sp>
-      <p:cxnSp>
-        <p:nvCxnSpPr>
-          <p:cNvPr id="25" name="직선 화살표 연결선 24"/>
-          <p:cNvCxnSpPr/>
-          <p:nvPr/>
-        </p:nvCxnSpPr>
-        <p:spPr>
-          <a:xfrm flipH="1">
-            <a:off x="7663986" y="3286055"/>
-            <a:ext cx="452984" cy="441124"/>
-          </a:xfrm>
-          <a:prstGeom prst="straightConnector1">
-            <a:avLst/>
-          </a:prstGeom>
-          <a:ln w="19050">
-            <a:solidFill>
-              <a:schemeClr val="tx1"/>
-            </a:solidFill>
-            <a:tailEnd type="arrow"/>
-          </a:ln>
-        </p:spPr>
-        <p:style>
-          <a:lnRef idx="1">
-            <a:schemeClr val="accent1"/>
-          </a:lnRef>
-          <a:fillRef idx="0">
-            <a:schemeClr val="accent1"/>
-          </a:fillRef>
-          <a:effectRef idx="0">
-            <a:schemeClr val="accent1"/>
-          </a:effectRef>
-          <a:fontRef idx="minor">
-            <a:schemeClr val="tx1"/>
-          </a:fontRef>
-        </p:style>
-      </p:cxnSp>
-      <p:cxnSp>
-        <p:nvCxnSpPr>
-          <p:cNvPr id="27" name="직선 화살표 연결선 26"/>
-          <p:cNvCxnSpPr/>
-          <p:nvPr/>
-        </p:nvCxnSpPr>
-        <p:spPr>
-          <a:xfrm>
-            <a:off x="7602152" y="4054888"/>
-            <a:ext cx="242516" cy="279968"/>
-          </a:xfrm>
-          <a:prstGeom prst="straightConnector1">
-            <a:avLst/>
-          </a:prstGeom>
-          <a:ln w="19050">
-            <a:solidFill>
-              <a:schemeClr val="tx1"/>
-            </a:solidFill>
-            <a:tailEnd type="arrow"/>
-          </a:ln>
-        </p:spPr>
-        <p:style>
-          <a:lnRef idx="1">
-            <a:schemeClr val="accent1"/>
-          </a:lnRef>
-          <a:fillRef idx="0">
-            <a:schemeClr val="accent1"/>
-          </a:fillRef>
-          <a:effectRef idx="0">
-            <a:schemeClr val="accent1"/>
-          </a:effectRef>
-          <a:fontRef idx="minor">
-            <a:schemeClr val="tx1"/>
-          </a:fontRef>
-        </p:style>
-      </p:cxnSp>
-      <p:cxnSp>
-        <p:nvCxnSpPr>
-          <p:cNvPr id="30" name="직선 화살표 연결선 29"/>
-          <p:cNvCxnSpPr/>
-          <p:nvPr/>
-        </p:nvCxnSpPr>
-        <p:spPr>
-          <a:xfrm>
-            <a:off x="8496444" y="3358063"/>
-            <a:ext cx="477533" cy="436586"/>
-          </a:xfrm>
-          <a:prstGeom prst="straightConnector1">
-            <a:avLst/>
-          </a:prstGeom>
-          <a:ln w="19050">
-            <a:solidFill>
-              <a:schemeClr val="tx1"/>
-            </a:solidFill>
-            <a:tailEnd type="arrow"/>
-          </a:ln>
-        </p:spPr>
-        <p:style>
-          <a:lnRef idx="1">
-            <a:schemeClr val="accent1"/>
-          </a:lnRef>
-          <a:fillRef idx="0">
-            <a:schemeClr val="accent1"/>
-          </a:fillRef>
-          <a:effectRef idx="0">
-            <a:schemeClr val="accent1"/>
-          </a:effectRef>
-          <a:fontRef idx="minor">
-            <a:schemeClr val="tx1"/>
-          </a:fontRef>
-        </p:style>
-      </p:cxnSp>
-    </p:spTree>
-    <p:extLst>
-      <p:ext uri="{BB962C8B-B14F-4D97-AF65-F5344CB8AC3E}">
-        <p14:creationId xmlns:p14="http://schemas.microsoft.com/office/powerpoint/2010/main" val="1351612413"/>
-      </p:ext>
-    </p:extLst>
-  </p:cSld>
-  <p:clrMapOvr>
-    <a:masterClrMapping/>
-  </p:clrMapOvr>
-</p:sld>
-</file>
-
 <file path=ppt/tags/tag1.xml><?xml version="1.0" encoding="utf-8"?>
 <p:tagLst xmlns:a="http://schemas.openxmlformats.org/drawingml/2006/main" xmlns:r="http://schemas.openxmlformats.org/officeDocument/2006/relationships" xmlns:p="http://schemas.openxmlformats.org/presentationml/2006/main">
   <p:tag name="_INSTRUCTOR VIEW19C14C36-AC8E-43BC-9DB6-C2AAF774C7DC|PANE__TAG" val="_"/>
